--- a/docs/Design.pptx
+++ b/docs/Design.pptx
@@ -5,7 +5,7 @@
     <p:sldMasterId id="2147483648" r:id="rId1"/>
   </p:sldMasterIdLst>
   <p:sldIdLst>
-    <p:sldId id="256" r:id="rId2"/>
+    <p:sldId id="257" r:id="rId2"/>
   </p:sldIdLst>
   <p:sldSz cx="12192000" cy="6858000"/>
   <p:notesSz cx="6858000" cy="9144000"/>
@@ -104,6 +104,11 @@
       </a:defRPr>
     </a:lvl9pPr>
   </p:defaultTextStyle>
+  <p:extLst>
+    <p:ext uri="{EFAFB233-063F-42B5-8137-9DF3F51BA10A}">
+      <p15:sldGuideLst xmlns:p15="http://schemas.microsoft.com/office/powerpoint/2012/main"/>
+    </p:ext>
+  </p:extLst>
 </p:presentation>
 </file>
 
@@ -254,7 +259,7 @@
           <a:p>
             <a:fld id="{EEB5A699-4281-42A6-A7CC-966666C96966}" type="datetimeFigureOut">
               <a:rPr lang="en-US" smtClean="0"/>
-              <a:t>9/9/2021</a:t>
+              <a:t>10/19/2021</a:t>
             </a:fld>
             <a:endParaRPr lang="en-US"/>
           </a:p>
@@ -452,7 +457,7 @@
           <a:p>
             <a:fld id="{EEB5A699-4281-42A6-A7CC-966666C96966}" type="datetimeFigureOut">
               <a:rPr lang="en-US" smtClean="0"/>
-              <a:t>9/9/2021</a:t>
+              <a:t>10/19/2021</a:t>
             </a:fld>
             <a:endParaRPr lang="en-US"/>
           </a:p>
@@ -660,7 +665,7 @@
           <a:p>
             <a:fld id="{EEB5A699-4281-42A6-A7CC-966666C96966}" type="datetimeFigureOut">
               <a:rPr lang="en-US" smtClean="0"/>
-              <a:t>9/9/2021</a:t>
+              <a:t>10/19/2021</a:t>
             </a:fld>
             <a:endParaRPr lang="en-US"/>
           </a:p>
@@ -858,7 +863,7 @@
           <a:p>
             <a:fld id="{EEB5A699-4281-42A6-A7CC-966666C96966}" type="datetimeFigureOut">
               <a:rPr lang="en-US" smtClean="0"/>
-              <a:t>9/9/2021</a:t>
+              <a:t>10/19/2021</a:t>
             </a:fld>
             <a:endParaRPr lang="en-US"/>
           </a:p>
@@ -1133,7 +1138,7 @@
           <a:p>
             <a:fld id="{EEB5A699-4281-42A6-A7CC-966666C96966}" type="datetimeFigureOut">
               <a:rPr lang="en-US" smtClean="0"/>
-              <a:t>9/9/2021</a:t>
+              <a:t>10/19/2021</a:t>
             </a:fld>
             <a:endParaRPr lang="en-US"/>
           </a:p>
@@ -1398,7 +1403,7 @@
           <a:p>
             <a:fld id="{EEB5A699-4281-42A6-A7CC-966666C96966}" type="datetimeFigureOut">
               <a:rPr lang="en-US" smtClean="0"/>
-              <a:t>9/9/2021</a:t>
+              <a:t>10/19/2021</a:t>
             </a:fld>
             <a:endParaRPr lang="en-US"/>
           </a:p>
@@ -1810,7 +1815,7 @@
           <a:p>
             <a:fld id="{EEB5A699-4281-42A6-A7CC-966666C96966}" type="datetimeFigureOut">
               <a:rPr lang="en-US" smtClean="0"/>
-              <a:t>9/9/2021</a:t>
+              <a:t>10/19/2021</a:t>
             </a:fld>
             <a:endParaRPr lang="en-US"/>
           </a:p>
@@ -1951,7 +1956,7 @@
           <a:p>
             <a:fld id="{EEB5A699-4281-42A6-A7CC-966666C96966}" type="datetimeFigureOut">
               <a:rPr lang="en-US" smtClean="0"/>
-              <a:t>9/9/2021</a:t>
+              <a:t>10/19/2021</a:t>
             </a:fld>
             <a:endParaRPr lang="en-US"/>
           </a:p>
@@ -2064,7 +2069,7 @@
           <a:p>
             <a:fld id="{EEB5A699-4281-42A6-A7CC-966666C96966}" type="datetimeFigureOut">
               <a:rPr lang="en-US" smtClean="0"/>
-              <a:t>9/9/2021</a:t>
+              <a:t>10/19/2021</a:t>
             </a:fld>
             <a:endParaRPr lang="en-US"/>
           </a:p>
@@ -2375,7 +2380,7 @@
           <a:p>
             <a:fld id="{EEB5A699-4281-42A6-A7CC-966666C96966}" type="datetimeFigureOut">
               <a:rPr lang="en-US" smtClean="0"/>
-              <a:t>9/9/2021</a:t>
+              <a:t>10/19/2021</a:t>
             </a:fld>
             <a:endParaRPr lang="en-US"/>
           </a:p>
@@ -2663,7 +2668,7 @@
           <a:p>
             <a:fld id="{EEB5A699-4281-42A6-A7CC-966666C96966}" type="datetimeFigureOut">
               <a:rPr lang="en-US" smtClean="0"/>
-              <a:t>9/9/2021</a:t>
+              <a:t>10/19/2021</a:t>
             </a:fld>
             <a:endParaRPr lang="en-US"/>
           </a:p>
@@ -2904,7 +2909,7 @@
           <a:p>
             <a:fld id="{EEB5A699-4281-42A6-A7CC-966666C96966}" type="datetimeFigureOut">
               <a:rPr lang="en-US" smtClean="0"/>
-              <a:t>9/9/2021</a:t>
+              <a:t>10/19/2021</a:t>
             </a:fld>
             <a:endParaRPr lang="en-US"/>
           </a:p>
@@ -3335,8 +3340,8 @@
         </p:nvSpPr>
         <p:spPr>
           <a:xfrm>
-            <a:off x="1950777" y="5012575"/>
-            <a:ext cx="2238838" cy="1099316"/>
+            <a:off x="1566159" y="2787701"/>
+            <a:ext cx="2238838" cy="771753"/>
           </a:xfrm>
           <a:prstGeom prst="rect">
             <a:avLst/>
@@ -3384,8 +3389,8 @@
         </p:nvSpPr>
         <p:spPr>
           <a:xfrm>
-            <a:off x="4729999" y="5012575"/>
-            <a:ext cx="2238838" cy="1099316"/>
+            <a:off x="1561021" y="3970623"/>
+            <a:ext cx="2238838" cy="771753"/>
           </a:xfrm>
           <a:prstGeom prst="rect">
             <a:avLst/>
@@ -3433,8 +3438,8 @@
         </p:nvSpPr>
         <p:spPr>
           <a:xfrm>
-            <a:off x="7509221" y="5012575"/>
-            <a:ext cx="2238838" cy="1099316"/>
+            <a:off x="1561021" y="5155417"/>
+            <a:ext cx="2238838" cy="771753"/>
           </a:xfrm>
           <a:prstGeom prst="rect">
             <a:avLst/>
@@ -3482,7 +3487,7 @@
         </p:nvSpPr>
         <p:spPr>
           <a:xfrm>
-            <a:off x="4729999" y="2712720"/>
+            <a:off x="4721277" y="3812035"/>
             <a:ext cx="2238838" cy="1099316"/>
           </a:xfrm>
           <a:prstGeom prst="rect">
@@ -3512,7 +3517,7 @@
             <a:pPr algn="ctr"/>
             <a:r>
               <a:rPr lang="en-US" sz="1200" dirty="0" err="1"/>
-              <a:t>KeyManagementService</a:t>
+              <a:t>SecretManagerClient</a:t>
             </a:r>
             <a:endParaRPr lang="en-US" sz="1200" dirty="0"/>
           </a:p>
@@ -3528,15 +3533,16 @@
             </a:extLst>
           </p:cNvPr>
           <p:cNvCxnSpPr>
-            <a:stCxn id="10" idx="2"/>
-            <a:endCxn id="4" idx="0"/>
+            <a:cxnSpLocks/>
+            <a:stCxn id="10" idx="1"/>
+            <a:endCxn id="4" idx="3"/>
           </p:cNvCxnSpPr>
           <p:nvPr/>
         </p:nvCxnSpPr>
         <p:spPr>
-          <a:xfrm flipH="1">
-            <a:off x="3070196" y="3812036"/>
-            <a:ext cx="2779222" cy="1200539"/>
+          <a:xfrm flipH="1" flipV="1">
+            <a:off x="3804997" y="3173578"/>
+            <a:ext cx="916280" cy="1188115"/>
           </a:xfrm>
           <a:prstGeom prst="straightConnector1">
             <a:avLst/>
@@ -3570,14 +3576,16 @@
             </a:extLst>
           </p:cNvPr>
           <p:cNvCxnSpPr>
-            <a:stCxn id="10" idx="2"/>
+            <a:cxnSpLocks/>
+            <a:stCxn id="10" idx="1"/>
+            <a:endCxn id="6" idx="3"/>
           </p:cNvCxnSpPr>
           <p:nvPr/>
         </p:nvCxnSpPr>
         <p:spPr>
-          <a:xfrm>
-            <a:off x="5849418" y="3812036"/>
-            <a:ext cx="0" cy="1408357"/>
+          <a:xfrm flipH="1" flipV="1">
+            <a:off x="3799859" y="4356500"/>
+            <a:ext cx="921418" cy="5193"/>
           </a:xfrm>
           <a:prstGeom prst="straightConnector1">
             <a:avLst/>
@@ -3611,15 +3619,16 @@
             </a:extLst>
           </p:cNvPr>
           <p:cNvCxnSpPr>
-            <a:stCxn id="10" idx="2"/>
-            <a:endCxn id="8" idx="0"/>
+            <a:cxnSpLocks/>
+            <a:stCxn id="10" idx="1"/>
+            <a:endCxn id="8" idx="3"/>
           </p:cNvCxnSpPr>
           <p:nvPr/>
         </p:nvCxnSpPr>
         <p:spPr>
-          <a:xfrm>
-            <a:off x="5849418" y="3812036"/>
-            <a:ext cx="2779222" cy="1200539"/>
+          <a:xfrm flipH="1">
+            <a:off x="3799859" y="4361693"/>
+            <a:ext cx="921418" cy="1179601"/>
           </a:xfrm>
           <a:prstGeom prst="straightConnector1">
             <a:avLst/>
@@ -3657,7 +3666,7 @@
         </p:nvSpPr>
         <p:spPr>
           <a:xfrm>
-            <a:off x="3870223" y="4285382"/>
+            <a:off x="4167332" y="4169181"/>
             <a:ext cx="393056" cy="230832"/>
           </a:xfrm>
           <a:prstGeom prst="rect">
@@ -3692,7 +3701,7 @@
         </p:nvSpPr>
         <p:spPr>
           <a:xfrm>
-            <a:off x="5456363" y="4296889"/>
+            <a:off x="4153486" y="3518362"/>
             <a:ext cx="393056" cy="230832"/>
           </a:xfrm>
           <a:prstGeom prst="rect">
@@ -3779,9 +3788,9 @@
           <p:nvPr/>
         </p:nvCxnSpPr>
         <p:spPr>
-          <a:xfrm>
-            <a:off x="5849418" y="1512181"/>
-            <a:ext cx="0" cy="1200539"/>
+          <a:xfrm flipH="1">
+            <a:off x="5840696" y="1512181"/>
+            <a:ext cx="8722" cy="2299854"/>
           </a:xfrm>
           <a:prstGeom prst="straightConnector1">
             <a:avLst/>
@@ -3855,7 +3864,7 @@
         <p:spPr>
           <a:xfrm>
             <a:off x="357447" y="2150564"/>
-            <a:ext cx="11571317" cy="4524556"/>
+            <a:ext cx="10048115" cy="4360278"/>
           </a:xfrm>
           <a:prstGeom prst="rect">
             <a:avLst/>
@@ -3902,8 +3911,8 @@
         </p:nvSpPr>
         <p:spPr>
           <a:xfrm>
-            <a:off x="357446" y="2219273"/>
-            <a:ext cx="2779211" cy="1077218"/>
+            <a:off x="357446" y="2162569"/>
+            <a:ext cx="3976426" cy="584775"/>
           </a:xfrm>
           <a:prstGeom prst="rect">
             <a:avLst/>
@@ -3937,8 +3946,8 @@
         </p:nvSpPr>
         <p:spPr>
           <a:xfrm>
-            <a:off x="9120448" y="19820"/>
-            <a:ext cx="1154083" cy="984916"/>
+            <a:off x="10706124" y="2783540"/>
+            <a:ext cx="810135" cy="794849"/>
           </a:xfrm>
           <a:prstGeom prst="can">
             <a:avLst/>
@@ -3966,16 +3975,17 @@
           <a:p>
             <a:pPr algn="ctr"/>
             <a:r>
-              <a:rPr lang="en-US" dirty="0"/>
-              <a:t>Storage </a:t>
-            </a:r>
-          </a:p>
-          <a:p>
-            <a:pPr algn="ctr"/>
-            <a:r>
               <a:rPr lang="en-US" sz="1200" dirty="0"/>
-              <a:t>(e.g., DB, Filesystem etc.)</a:t>
-            </a:r>
+              <a:t>File</a:t>
+            </a:r>
+            <a:br>
+              <a:rPr lang="en-US" sz="1200" dirty="0"/>
+            </a:br>
+            <a:r>
+              <a:rPr lang="en-US" sz="1200" dirty="0"/>
+              <a:t>System</a:t>
+            </a:r>
+            <a:endParaRPr lang="en-US" sz="1000" dirty="0"/>
           </a:p>
         </p:txBody>
       </p:sp>
@@ -3990,15 +4000,15 @@
           </p:cNvPr>
           <p:cNvCxnSpPr>
             <a:cxnSpLocks/>
-            <a:stCxn id="23" idx="3"/>
+            <a:stCxn id="47" idx="3"/>
             <a:endCxn id="33" idx="2"/>
           </p:cNvCxnSpPr>
           <p:nvPr/>
         </p:nvCxnSpPr>
         <p:spPr>
           <a:xfrm flipV="1">
-            <a:off x="6968837" y="512278"/>
-            <a:ext cx="2151611" cy="450245"/>
+            <a:off x="10127479" y="3180965"/>
+            <a:ext cx="578645" cy="1114"/>
           </a:xfrm>
           <a:prstGeom prst="straightConnector1">
             <a:avLst/>
@@ -4068,7 +4078,7 @@
         </p:nvSpPr>
         <p:spPr>
           <a:xfrm>
-            <a:off x="7234351" y="347156"/>
+            <a:off x="8336714" y="2367392"/>
             <a:ext cx="1332416" cy="230832"/>
           </a:xfrm>
           <a:prstGeom prst="rect">
@@ -4102,12 +4112,15 @@
           <p:nvPr/>
         </p:nvSpPr>
         <p:spPr>
-          <a:xfrm>
-            <a:off x="9896594" y="2470859"/>
-            <a:ext cx="1047397" cy="3859877"/>
+          <a:xfrm rot="10800000">
+            <a:off x="908835" y="2738637"/>
+            <a:ext cx="457281" cy="3249419"/>
           </a:xfrm>
           <a:prstGeom prst="rightBrace">
-            <a:avLst/>
+            <a:avLst>
+              <a:gd name="adj1" fmla="val 8333"/>
+              <a:gd name="adj2" fmla="val 49633"/>
+            </a:avLst>
           </a:prstGeom>
         </p:spPr>
         <p:style>
@@ -4147,8 +4160,8 @@
         </p:nvSpPr>
         <p:spPr>
           <a:xfrm>
-            <a:off x="11043321" y="4276674"/>
-            <a:ext cx="856325" cy="230832"/>
+            <a:off x="439656" y="4169181"/>
+            <a:ext cx="553357" cy="369332"/>
           </a:xfrm>
           <a:prstGeom prst="rect">
             <a:avLst/>
@@ -4163,7 +4176,14 @@
           <a:p>
             <a:r>
               <a:rPr lang="en-US" sz="900" dirty="0"/>
-              <a:t>Library/NuGet</a:t>
+              <a:t>Library/</a:t>
+            </a:r>
+            <a:br>
+              <a:rPr lang="en-US" sz="900" dirty="0"/>
+            </a:br>
+            <a:r>
+              <a:rPr lang="en-US" sz="900" dirty="0"/>
+              <a:t>NuGet</a:t>
             </a:r>
           </a:p>
         </p:txBody>
@@ -4365,7 +4385,7 @@
         </p:nvSpPr>
         <p:spPr>
           <a:xfrm>
-            <a:off x="7497424" y="4283858"/>
+            <a:off x="4167332" y="4907335"/>
             <a:ext cx="393056" cy="230832"/>
           </a:xfrm>
           <a:prstGeom prst="rect">
@@ -4400,7 +4420,7 @@
         </p:nvSpPr>
         <p:spPr>
           <a:xfrm>
-            <a:off x="9090555" y="1216641"/>
+            <a:off x="9011626" y="628074"/>
             <a:ext cx="1315007" cy="672935"/>
           </a:xfrm>
           <a:prstGeom prst="rect">
@@ -4468,7 +4488,7 @@
         <p:spPr>
           <a:xfrm>
             <a:off x="6968837" y="962523"/>
-            <a:ext cx="2121718" cy="590586"/>
+            <a:ext cx="2042789" cy="2019"/>
           </a:xfrm>
           <a:prstGeom prst="straightConnector1">
             <a:avLst/>
@@ -4506,8 +4526,8 @@
         </p:nvSpPr>
         <p:spPr>
           <a:xfrm>
-            <a:off x="6989067" y="3146962"/>
-            <a:ext cx="1938351" cy="230832"/>
+            <a:off x="6490061" y="1523775"/>
+            <a:ext cx="1991251" cy="230832"/>
           </a:xfrm>
           <a:prstGeom prst="rect">
             <a:avLst/>
@@ -4521,8 +4541,12 @@
           <a:lstStyle/>
           <a:p>
             <a:r>
+              <a:rPr lang="en-US" sz="900" dirty="0" err="1"/>
+              <a:t>CrytptoProvider</a:t>
+            </a:r>
+            <a:r>
               <a:rPr lang="en-US" sz="900" dirty="0"/>
-              <a:t>CrtptoProvider defined through ENVs</a:t>
+              <a:t> defined through ENVs</a:t>
             </a:r>
           </a:p>
         </p:txBody>
@@ -4774,7 +4798,7 @@
         </p:nvSpPr>
         <p:spPr>
           <a:xfrm>
-            <a:off x="8853192" y="1396550"/>
+            <a:off x="8718513" y="352942"/>
             <a:ext cx="457281" cy="370845"/>
           </a:xfrm>
           <a:prstGeom prst="ellipse">
@@ -4821,7 +4845,7 @@
         </p:nvSpPr>
         <p:spPr>
           <a:xfrm>
-            <a:off x="3818215" y="4848339"/>
+            <a:off x="3626022" y="2658814"/>
             <a:ext cx="457281" cy="370845"/>
           </a:xfrm>
           <a:prstGeom prst="ellipse">
@@ -4868,7 +4892,7 @@
         </p:nvSpPr>
         <p:spPr>
           <a:xfrm>
-            <a:off x="6597437" y="4827152"/>
+            <a:off x="3606324" y="3799109"/>
             <a:ext cx="457281" cy="370845"/>
           </a:xfrm>
           <a:prstGeom prst="ellipse">
@@ -4915,7 +4939,7 @@
         </p:nvSpPr>
         <p:spPr>
           <a:xfrm>
-            <a:off x="9439312" y="4827152"/>
+            <a:off x="3595720" y="4891024"/>
             <a:ext cx="457281" cy="370845"/>
           </a:xfrm>
           <a:prstGeom prst="ellipse">
@@ -4962,7 +4986,7 @@
         </p:nvSpPr>
         <p:spPr>
           <a:xfrm>
-            <a:off x="6660091" y="2527297"/>
+            <a:off x="6659346" y="3621126"/>
             <a:ext cx="457281" cy="370845"/>
           </a:xfrm>
           <a:prstGeom prst="ellipse">
@@ -4990,15 +5014,725 @@
             <a:pPr algn="ctr"/>
             <a:r>
               <a:rPr lang="en-US" dirty="0"/>
-              <a:t>V</a:t>
-            </a:r>
-          </a:p>
-        </p:txBody>
-      </p:sp>
+              <a:t>M</a:t>
+            </a:r>
+          </a:p>
+        </p:txBody>
+      </p:sp>
+      <p:cxnSp>
+        <p:nvCxnSpPr>
+          <p:cNvPr id="3" name="Straight Arrow Connector 2">
+            <a:extLst>
+              <a:ext uri="{FF2B5EF4-FFF2-40B4-BE49-F238E27FC236}">
+                <a16:creationId xmlns:a16="http://schemas.microsoft.com/office/drawing/2014/main" id="{E6BE4948-5A7F-47B8-BA29-D2F0FE9FB2C4}"/>
+              </a:ext>
+            </a:extLst>
+          </p:cNvPr>
+          <p:cNvCxnSpPr>
+            <a:cxnSpLocks/>
+            <a:stCxn id="10" idx="3"/>
+            <a:endCxn id="47" idx="1"/>
+          </p:cNvCxnSpPr>
+          <p:nvPr/>
+        </p:nvCxnSpPr>
+        <p:spPr>
+          <a:xfrm flipV="1">
+            <a:off x="6960115" y="3182079"/>
+            <a:ext cx="928526" cy="1179614"/>
+          </a:xfrm>
+          <a:prstGeom prst="straightConnector1">
+            <a:avLst/>
+          </a:prstGeom>
+          <a:ln>
+            <a:tailEnd type="triangle"/>
+          </a:ln>
+        </p:spPr>
+        <p:style>
+          <a:lnRef idx="1">
+            <a:schemeClr val="accent1"/>
+          </a:lnRef>
+          <a:fillRef idx="0">
+            <a:schemeClr val="accent1"/>
+          </a:fillRef>
+          <a:effectRef idx="0">
+            <a:schemeClr val="accent1"/>
+          </a:effectRef>
+          <a:fontRef idx="minor">
+            <a:schemeClr val="tx1"/>
+          </a:fontRef>
+        </p:style>
+      </p:cxnSp>
+      <p:sp>
+        <p:nvSpPr>
+          <p:cNvPr id="47" name="Rectangle 46">
+            <a:extLst>
+              <a:ext uri="{FF2B5EF4-FFF2-40B4-BE49-F238E27FC236}">
+                <a16:creationId xmlns:a16="http://schemas.microsoft.com/office/drawing/2014/main" id="{EB3EC7E2-3366-4C41-8FC1-C06B6D9CA239}"/>
+              </a:ext>
+            </a:extLst>
+          </p:cNvPr>
+          <p:cNvSpPr/>
+          <p:nvPr/>
+        </p:nvSpPr>
+        <p:spPr>
+          <a:xfrm>
+            <a:off x="7888641" y="2796202"/>
+            <a:ext cx="2238838" cy="771753"/>
+          </a:xfrm>
+          <a:prstGeom prst="rect">
+            <a:avLst/>
+          </a:prstGeom>
+        </p:spPr>
+        <p:style>
+          <a:lnRef idx="2">
+            <a:schemeClr val="accent1">
+              <a:shade val="50000"/>
+            </a:schemeClr>
+          </a:lnRef>
+          <a:fillRef idx="1">
+            <a:schemeClr val="accent1"/>
+          </a:fillRef>
+          <a:effectRef idx="0">
+            <a:schemeClr val="accent1"/>
+          </a:effectRef>
+          <a:fontRef idx="minor">
+            <a:schemeClr val="lt1"/>
+          </a:fontRef>
+        </p:style>
+        <p:txBody>
+          <a:bodyPr rtlCol="0" anchor="ctr"/>
+          <a:lstStyle/>
+          <a:p>
+            <a:pPr algn="ctr"/>
+            <a:r>
+              <a:rPr lang="en-US" sz="1200" dirty="0" err="1"/>
+              <a:t>FileSecretStore</a:t>
+            </a:r>
+            <a:endParaRPr lang="en-US" sz="1200" dirty="0"/>
+          </a:p>
+        </p:txBody>
+      </p:sp>
+      <p:sp>
+        <p:nvSpPr>
+          <p:cNvPr id="49" name="Rectangle 48">
+            <a:extLst>
+              <a:ext uri="{FF2B5EF4-FFF2-40B4-BE49-F238E27FC236}">
+                <a16:creationId xmlns:a16="http://schemas.microsoft.com/office/drawing/2014/main" id="{8D3E79A8-2758-4505-8F87-94268753CA1E}"/>
+              </a:ext>
+            </a:extLst>
+          </p:cNvPr>
+          <p:cNvSpPr/>
+          <p:nvPr/>
+        </p:nvSpPr>
+        <p:spPr>
+          <a:xfrm>
+            <a:off x="7883503" y="3979124"/>
+            <a:ext cx="2238838" cy="771753"/>
+          </a:xfrm>
+          <a:prstGeom prst="rect">
+            <a:avLst/>
+          </a:prstGeom>
+        </p:spPr>
+        <p:style>
+          <a:lnRef idx="2">
+            <a:schemeClr val="accent1">
+              <a:shade val="50000"/>
+            </a:schemeClr>
+          </a:lnRef>
+          <a:fillRef idx="1">
+            <a:schemeClr val="accent1"/>
+          </a:fillRef>
+          <a:effectRef idx="0">
+            <a:schemeClr val="accent1"/>
+          </a:effectRef>
+          <a:fontRef idx="minor">
+            <a:schemeClr val="lt1"/>
+          </a:fontRef>
+        </p:style>
+        <p:txBody>
+          <a:bodyPr rtlCol="0" anchor="ctr"/>
+          <a:lstStyle/>
+          <a:p>
+            <a:pPr algn="ctr"/>
+            <a:r>
+              <a:rPr lang="en-US" sz="1200" dirty="0" err="1"/>
+              <a:t>SqlServerSecretStore</a:t>
+            </a:r>
+            <a:endParaRPr lang="en-US" sz="1200" dirty="0"/>
+          </a:p>
+        </p:txBody>
+      </p:sp>
+      <p:sp>
+        <p:nvSpPr>
+          <p:cNvPr id="50" name="Rectangle 49">
+            <a:extLst>
+              <a:ext uri="{FF2B5EF4-FFF2-40B4-BE49-F238E27FC236}">
+                <a16:creationId xmlns:a16="http://schemas.microsoft.com/office/drawing/2014/main" id="{A91B23CD-547E-403D-AB11-B5F8F14BE56E}"/>
+              </a:ext>
+            </a:extLst>
+          </p:cNvPr>
+          <p:cNvSpPr/>
+          <p:nvPr/>
+        </p:nvSpPr>
+        <p:spPr>
+          <a:xfrm>
+            <a:off x="7883503" y="5163918"/>
+            <a:ext cx="2238838" cy="771753"/>
+          </a:xfrm>
+          <a:prstGeom prst="rect">
+            <a:avLst/>
+          </a:prstGeom>
+        </p:spPr>
+        <p:style>
+          <a:lnRef idx="2">
+            <a:schemeClr val="accent1">
+              <a:shade val="50000"/>
+            </a:schemeClr>
+          </a:lnRef>
+          <a:fillRef idx="1">
+            <a:schemeClr val="accent1"/>
+          </a:fillRef>
+          <a:effectRef idx="0">
+            <a:schemeClr val="accent1"/>
+          </a:effectRef>
+          <a:fontRef idx="minor">
+            <a:schemeClr val="lt1"/>
+          </a:fontRef>
+        </p:style>
+        <p:txBody>
+          <a:bodyPr rtlCol="0" anchor="ctr"/>
+          <a:lstStyle/>
+          <a:p>
+            <a:pPr algn="ctr"/>
+            <a:r>
+              <a:rPr lang="en-US" sz="1200" dirty="0" err="1"/>
+              <a:t>AzureKeyVaultSecretStore</a:t>
+            </a:r>
+            <a:endParaRPr lang="en-US" sz="1200" dirty="0"/>
+          </a:p>
+        </p:txBody>
+      </p:sp>
+      <p:sp>
+        <p:nvSpPr>
+          <p:cNvPr id="51" name="Oval 50">
+            <a:extLst>
+              <a:ext uri="{FF2B5EF4-FFF2-40B4-BE49-F238E27FC236}">
+                <a16:creationId xmlns:a16="http://schemas.microsoft.com/office/drawing/2014/main" id="{02144FF2-8835-4498-A47E-EABBFE639561}"/>
+              </a:ext>
+            </a:extLst>
+          </p:cNvPr>
+          <p:cNvSpPr/>
+          <p:nvPr/>
+        </p:nvSpPr>
+        <p:spPr>
+          <a:xfrm>
+            <a:off x="7666404" y="2678230"/>
+            <a:ext cx="457281" cy="370845"/>
+          </a:xfrm>
+          <a:prstGeom prst="ellipse">
+            <a:avLst/>
+          </a:prstGeom>
+        </p:spPr>
+        <p:style>
+          <a:lnRef idx="3">
+            <a:schemeClr val="lt1"/>
+          </a:lnRef>
+          <a:fillRef idx="1">
+            <a:schemeClr val="accent2"/>
+          </a:fillRef>
+          <a:effectRef idx="1">
+            <a:schemeClr val="accent2"/>
+          </a:effectRef>
+          <a:fontRef idx="minor">
+            <a:schemeClr val="lt1"/>
+          </a:fontRef>
+        </p:style>
+        <p:txBody>
+          <a:bodyPr rtlCol="0" anchor="ctr"/>
+          <a:lstStyle/>
+          <a:p>
+            <a:pPr algn="ctr"/>
+            <a:r>
+              <a:rPr lang="en-US" dirty="0"/>
+              <a:t>M</a:t>
+            </a:r>
+          </a:p>
+        </p:txBody>
+      </p:sp>
+      <p:sp>
+        <p:nvSpPr>
+          <p:cNvPr id="53" name="Oval 52">
+            <a:extLst>
+              <a:ext uri="{FF2B5EF4-FFF2-40B4-BE49-F238E27FC236}">
+                <a16:creationId xmlns:a16="http://schemas.microsoft.com/office/drawing/2014/main" id="{ABABDE75-A41E-44AA-890D-C98204CD83E7}"/>
+              </a:ext>
+            </a:extLst>
+          </p:cNvPr>
+          <p:cNvSpPr/>
+          <p:nvPr/>
+        </p:nvSpPr>
+        <p:spPr>
+          <a:xfrm>
+            <a:off x="7646706" y="3818525"/>
+            <a:ext cx="457281" cy="370845"/>
+          </a:xfrm>
+          <a:prstGeom prst="ellipse">
+            <a:avLst/>
+          </a:prstGeom>
+        </p:spPr>
+        <p:style>
+          <a:lnRef idx="3">
+            <a:schemeClr val="lt1"/>
+          </a:lnRef>
+          <a:fillRef idx="1">
+            <a:schemeClr val="accent2"/>
+          </a:fillRef>
+          <a:effectRef idx="1">
+            <a:schemeClr val="accent2"/>
+          </a:effectRef>
+          <a:fontRef idx="minor">
+            <a:schemeClr val="lt1"/>
+          </a:fontRef>
+        </p:style>
+        <p:txBody>
+          <a:bodyPr rtlCol="0" anchor="ctr"/>
+          <a:lstStyle/>
+          <a:p>
+            <a:pPr algn="ctr"/>
+            <a:endParaRPr lang="en-US" dirty="0"/>
+          </a:p>
+        </p:txBody>
+      </p:sp>
+      <p:sp>
+        <p:nvSpPr>
+          <p:cNvPr id="55" name="Oval 54">
+            <a:extLst>
+              <a:ext uri="{FF2B5EF4-FFF2-40B4-BE49-F238E27FC236}">
+                <a16:creationId xmlns:a16="http://schemas.microsoft.com/office/drawing/2014/main" id="{E9F01913-4BA8-44CD-8B08-BFD6911CF15A}"/>
+              </a:ext>
+            </a:extLst>
+          </p:cNvPr>
+          <p:cNvSpPr/>
+          <p:nvPr/>
+        </p:nvSpPr>
+        <p:spPr>
+          <a:xfrm>
+            <a:off x="7636102" y="4910440"/>
+            <a:ext cx="457281" cy="370845"/>
+          </a:xfrm>
+          <a:prstGeom prst="ellipse">
+            <a:avLst/>
+          </a:prstGeom>
+        </p:spPr>
+        <p:style>
+          <a:lnRef idx="3">
+            <a:schemeClr val="lt1"/>
+          </a:lnRef>
+          <a:fillRef idx="1">
+            <a:schemeClr val="accent2"/>
+          </a:fillRef>
+          <a:effectRef idx="1">
+            <a:schemeClr val="accent2"/>
+          </a:effectRef>
+          <a:fontRef idx="minor">
+            <a:schemeClr val="lt1"/>
+          </a:fontRef>
+        </p:style>
+        <p:txBody>
+          <a:bodyPr rtlCol="0" anchor="ctr"/>
+          <a:lstStyle/>
+          <a:p>
+            <a:pPr algn="ctr"/>
+            <a:endParaRPr lang="en-US" dirty="0"/>
+          </a:p>
+        </p:txBody>
+      </p:sp>
+      <p:cxnSp>
+        <p:nvCxnSpPr>
+          <p:cNvPr id="76" name="Straight Arrow Connector 75">
+            <a:extLst>
+              <a:ext uri="{FF2B5EF4-FFF2-40B4-BE49-F238E27FC236}">
+                <a16:creationId xmlns:a16="http://schemas.microsoft.com/office/drawing/2014/main" id="{02DE8D6F-0ADD-478C-B03B-8DE94F467BD9}"/>
+              </a:ext>
+            </a:extLst>
+          </p:cNvPr>
+          <p:cNvCxnSpPr>
+            <a:cxnSpLocks/>
+            <a:stCxn id="10" idx="3"/>
+            <a:endCxn id="50" idx="1"/>
+          </p:cNvCxnSpPr>
+          <p:nvPr/>
+        </p:nvCxnSpPr>
+        <p:spPr>
+          <a:xfrm>
+            <a:off x="6960115" y="4361693"/>
+            <a:ext cx="923388" cy="1188102"/>
+          </a:xfrm>
+          <a:prstGeom prst="straightConnector1">
+            <a:avLst/>
+          </a:prstGeom>
+          <a:ln>
+            <a:tailEnd type="triangle"/>
+          </a:ln>
+        </p:spPr>
+        <p:style>
+          <a:lnRef idx="1">
+            <a:schemeClr val="accent1"/>
+          </a:lnRef>
+          <a:fillRef idx="0">
+            <a:schemeClr val="accent1"/>
+          </a:fillRef>
+          <a:effectRef idx="0">
+            <a:schemeClr val="accent1"/>
+          </a:effectRef>
+          <a:fontRef idx="minor">
+            <a:schemeClr val="tx1"/>
+          </a:fontRef>
+        </p:style>
+      </p:cxnSp>
+      <p:cxnSp>
+        <p:nvCxnSpPr>
+          <p:cNvPr id="84" name="Straight Arrow Connector 83">
+            <a:extLst>
+              <a:ext uri="{FF2B5EF4-FFF2-40B4-BE49-F238E27FC236}">
+                <a16:creationId xmlns:a16="http://schemas.microsoft.com/office/drawing/2014/main" id="{14A2CD0C-1AAD-4E16-B88E-D9D9DA39B05C}"/>
+              </a:ext>
+            </a:extLst>
+          </p:cNvPr>
+          <p:cNvCxnSpPr>
+            <a:cxnSpLocks/>
+            <a:stCxn id="10" idx="3"/>
+            <a:endCxn id="49" idx="1"/>
+          </p:cNvCxnSpPr>
+          <p:nvPr/>
+        </p:nvCxnSpPr>
+        <p:spPr>
+          <a:xfrm>
+            <a:off x="6960115" y="4361693"/>
+            <a:ext cx="923388" cy="3308"/>
+          </a:xfrm>
+          <a:prstGeom prst="straightConnector1">
+            <a:avLst/>
+          </a:prstGeom>
+          <a:ln>
+            <a:tailEnd type="triangle"/>
+          </a:ln>
+        </p:spPr>
+        <p:style>
+          <a:lnRef idx="1">
+            <a:schemeClr val="accent1"/>
+          </a:lnRef>
+          <a:fillRef idx="0">
+            <a:schemeClr val="accent1"/>
+          </a:fillRef>
+          <a:effectRef idx="0">
+            <a:schemeClr val="accent1"/>
+          </a:effectRef>
+          <a:fontRef idx="minor">
+            <a:schemeClr val="tx1"/>
+          </a:fontRef>
+        </p:style>
+      </p:cxnSp>
+      <p:sp>
+        <p:nvSpPr>
+          <p:cNvPr id="91" name="TextBox 90">
+            <a:extLst>
+              <a:ext uri="{FF2B5EF4-FFF2-40B4-BE49-F238E27FC236}">
+                <a16:creationId xmlns:a16="http://schemas.microsoft.com/office/drawing/2014/main" id="{6B1950FE-0752-4601-8A67-24AD4952BDB5}"/>
+              </a:ext>
+            </a:extLst>
+          </p:cNvPr>
+          <p:cNvSpPr txBox="1"/>
+          <p:nvPr/>
+        </p:nvSpPr>
+        <p:spPr>
+          <a:xfrm>
+            <a:off x="7133811" y="4172725"/>
+            <a:ext cx="393056" cy="230832"/>
+          </a:xfrm>
+          <a:prstGeom prst="rect">
+            <a:avLst/>
+          </a:prstGeom>
+          <a:noFill/>
+        </p:spPr>
+        <p:txBody>
+          <a:bodyPr wrap="none" rtlCol="0">
+            <a:spAutoFit/>
+          </a:bodyPr>
+          <a:lstStyle/>
+          <a:p>
+            <a:r>
+              <a:rPr lang="en-US" sz="900" dirty="0"/>
+              <a:t>uses</a:t>
+            </a:r>
+          </a:p>
+        </p:txBody>
+      </p:sp>
+      <p:sp>
+        <p:nvSpPr>
+          <p:cNvPr id="93" name="TextBox 92">
+            <a:extLst>
+              <a:ext uri="{FF2B5EF4-FFF2-40B4-BE49-F238E27FC236}">
+                <a16:creationId xmlns:a16="http://schemas.microsoft.com/office/drawing/2014/main" id="{044EF428-15B7-46A1-9A5B-E0729D713025}"/>
+              </a:ext>
+            </a:extLst>
+          </p:cNvPr>
+          <p:cNvSpPr txBox="1"/>
+          <p:nvPr/>
+        </p:nvSpPr>
+        <p:spPr>
+          <a:xfrm>
+            <a:off x="7162493" y="3521906"/>
+            <a:ext cx="393056" cy="230832"/>
+          </a:xfrm>
+          <a:prstGeom prst="rect">
+            <a:avLst/>
+          </a:prstGeom>
+          <a:noFill/>
+        </p:spPr>
+        <p:txBody>
+          <a:bodyPr wrap="none" rtlCol="0">
+            <a:spAutoFit/>
+          </a:bodyPr>
+          <a:lstStyle/>
+          <a:p>
+            <a:r>
+              <a:rPr lang="en-US" sz="900" dirty="0"/>
+              <a:t>uses</a:t>
+            </a:r>
+          </a:p>
+        </p:txBody>
+      </p:sp>
+      <p:sp>
+        <p:nvSpPr>
+          <p:cNvPr id="95" name="TextBox 94">
+            <a:extLst>
+              <a:ext uri="{FF2B5EF4-FFF2-40B4-BE49-F238E27FC236}">
+                <a16:creationId xmlns:a16="http://schemas.microsoft.com/office/drawing/2014/main" id="{6BD659BB-A5DE-4617-8747-73E333528C2C}"/>
+              </a:ext>
+            </a:extLst>
+          </p:cNvPr>
+          <p:cNvSpPr txBox="1"/>
+          <p:nvPr/>
+        </p:nvSpPr>
+        <p:spPr>
+          <a:xfrm>
+            <a:off x="7133811" y="4910879"/>
+            <a:ext cx="393056" cy="230832"/>
+          </a:xfrm>
+          <a:prstGeom prst="rect">
+            <a:avLst/>
+          </a:prstGeom>
+          <a:noFill/>
+        </p:spPr>
+        <p:txBody>
+          <a:bodyPr wrap="none" rtlCol="0">
+            <a:spAutoFit/>
+          </a:bodyPr>
+          <a:lstStyle/>
+          <a:p>
+            <a:r>
+              <a:rPr lang="en-US" sz="900" dirty="0"/>
+              <a:t>uses</a:t>
+            </a:r>
+          </a:p>
+        </p:txBody>
+      </p:sp>
+      <p:sp>
+        <p:nvSpPr>
+          <p:cNvPr id="98" name="Cylinder 97">
+            <a:extLst>
+              <a:ext uri="{FF2B5EF4-FFF2-40B4-BE49-F238E27FC236}">
+                <a16:creationId xmlns:a16="http://schemas.microsoft.com/office/drawing/2014/main" id="{16E0BC09-C342-4D60-BA4A-F27A9FC609AD}"/>
+              </a:ext>
+            </a:extLst>
+          </p:cNvPr>
+          <p:cNvSpPr/>
+          <p:nvPr/>
+        </p:nvSpPr>
+        <p:spPr>
+          <a:xfrm>
+            <a:off x="10706123" y="3971354"/>
+            <a:ext cx="810135" cy="794849"/>
+          </a:xfrm>
+          <a:prstGeom prst="can">
+            <a:avLst/>
+          </a:prstGeom>
+        </p:spPr>
+        <p:style>
+          <a:lnRef idx="2">
+            <a:schemeClr val="accent6">
+              <a:shade val="50000"/>
+            </a:schemeClr>
+          </a:lnRef>
+          <a:fillRef idx="1">
+            <a:schemeClr val="accent6"/>
+          </a:fillRef>
+          <a:effectRef idx="0">
+            <a:schemeClr val="accent6"/>
+          </a:effectRef>
+          <a:fontRef idx="minor">
+            <a:schemeClr val="lt1"/>
+          </a:fontRef>
+        </p:style>
+        <p:txBody>
+          <a:bodyPr rtlCol="0" anchor="ctr"/>
+          <a:lstStyle/>
+          <a:p>
+            <a:pPr algn="ctr"/>
+            <a:r>
+              <a:rPr lang="en-US" sz="1200" dirty="0"/>
+              <a:t>SQL Server</a:t>
+            </a:r>
+          </a:p>
+        </p:txBody>
+      </p:sp>
+      <p:cxnSp>
+        <p:nvCxnSpPr>
+          <p:cNvPr id="101" name="Straight Arrow Connector 100">
+            <a:extLst>
+              <a:ext uri="{FF2B5EF4-FFF2-40B4-BE49-F238E27FC236}">
+                <a16:creationId xmlns:a16="http://schemas.microsoft.com/office/drawing/2014/main" id="{AC065ECA-0B10-452A-AF11-62C577BD95D1}"/>
+              </a:ext>
+            </a:extLst>
+          </p:cNvPr>
+          <p:cNvCxnSpPr>
+            <a:cxnSpLocks/>
+            <a:stCxn id="49" idx="3"/>
+            <a:endCxn id="98" idx="2"/>
+          </p:cNvCxnSpPr>
+          <p:nvPr/>
+        </p:nvCxnSpPr>
+        <p:spPr>
+          <a:xfrm>
+            <a:off x="10122341" y="4365001"/>
+            <a:ext cx="583782" cy="3778"/>
+          </a:xfrm>
+          <a:prstGeom prst="straightConnector1">
+            <a:avLst/>
+          </a:prstGeom>
+          <a:ln>
+            <a:tailEnd type="triangle"/>
+          </a:ln>
+        </p:spPr>
+        <p:style>
+          <a:lnRef idx="1">
+            <a:schemeClr val="accent1"/>
+          </a:lnRef>
+          <a:fillRef idx="0">
+            <a:schemeClr val="accent1"/>
+          </a:fillRef>
+          <a:effectRef idx="0">
+            <a:schemeClr val="accent1"/>
+          </a:effectRef>
+          <a:fontRef idx="minor">
+            <a:schemeClr val="tx1"/>
+          </a:fontRef>
+        </p:style>
+      </p:cxnSp>
+      <p:sp>
+        <p:nvSpPr>
+          <p:cNvPr id="105" name="Cube 104">
+            <a:extLst>
+              <a:ext uri="{FF2B5EF4-FFF2-40B4-BE49-F238E27FC236}">
+                <a16:creationId xmlns:a16="http://schemas.microsoft.com/office/drawing/2014/main" id="{51F22DD7-4C20-47DD-B1AF-5A00F2D0D8B7}"/>
+              </a:ext>
+            </a:extLst>
+          </p:cNvPr>
+          <p:cNvSpPr/>
+          <p:nvPr/>
+        </p:nvSpPr>
+        <p:spPr>
+          <a:xfrm>
+            <a:off x="10706123" y="5036333"/>
+            <a:ext cx="810135" cy="817330"/>
+          </a:xfrm>
+          <a:prstGeom prst="cube">
+            <a:avLst/>
+          </a:prstGeom>
+        </p:spPr>
+        <p:style>
+          <a:lnRef idx="2">
+            <a:schemeClr val="accent6">
+              <a:shade val="50000"/>
+            </a:schemeClr>
+          </a:lnRef>
+          <a:fillRef idx="1">
+            <a:schemeClr val="accent6"/>
+          </a:fillRef>
+          <a:effectRef idx="0">
+            <a:schemeClr val="accent6"/>
+          </a:effectRef>
+          <a:fontRef idx="minor">
+            <a:schemeClr val="lt1"/>
+          </a:fontRef>
+        </p:style>
+        <p:txBody>
+          <a:bodyPr rtlCol="0" anchor="ctr"/>
+          <a:lstStyle/>
+          <a:p>
+            <a:pPr algn="ctr"/>
+            <a:r>
+              <a:rPr lang="en-US" sz="1200" dirty="0"/>
+              <a:t>Key</a:t>
+            </a:r>
+            <a:br>
+              <a:rPr lang="en-US" sz="1200" dirty="0"/>
+            </a:br>
+            <a:r>
+              <a:rPr lang="en-US" sz="1200" dirty="0"/>
+              <a:t>Vault</a:t>
+            </a:r>
+          </a:p>
+        </p:txBody>
+      </p:sp>
+      <p:cxnSp>
+        <p:nvCxnSpPr>
+          <p:cNvPr id="107" name="Straight Arrow Connector 106">
+            <a:extLst>
+              <a:ext uri="{FF2B5EF4-FFF2-40B4-BE49-F238E27FC236}">
+                <a16:creationId xmlns:a16="http://schemas.microsoft.com/office/drawing/2014/main" id="{8564C89F-7330-4990-8F97-01D081A1FB87}"/>
+              </a:ext>
+            </a:extLst>
+          </p:cNvPr>
+          <p:cNvCxnSpPr>
+            <a:cxnSpLocks/>
+            <a:stCxn id="50" idx="3"/>
+            <a:endCxn id="105" idx="2"/>
+          </p:cNvCxnSpPr>
+          <p:nvPr/>
+        </p:nvCxnSpPr>
+        <p:spPr>
+          <a:xfrm flipV="1">
+            <a:off x="10122341" y="5546265"/>
+            <a:ext cx="583782" cy="3530"/>
+          </a:xfrm>
+          <a:prstGeom prst="straightConnector1">
+            <a:avLst/>
+          </a:prstGeom>
+          <a:ln>
+            <a:tailEnd type="triangle"/>
+          </a:ln>
+        </p:spPr>
+        <p:style>
+          <a:lnRef idx="1">
+            <a:schemeClr val="accent1"/>
+          </a:lnRef>
+          <a:fillRef idx="0">
+            <a:schemeClr val="accent1"/>
+          </a:fillRef>
+          <a:effectRef idx="0">
+            <a:schemeClr val="accent1"/>
+          </a:effectRef>
+          <a:fontRef idx="minor">
+            <a:schemeClr val="tx1"/>
+          </a:fontRef>
+        </p:style>
+      </p:cxnSp>
     </p:spTree>
     <p:extLst>
       <p:ext uri="{BB962C8B-B14F-4D97-AF65-F5344CB8AC3E}">
-        <p14:creationId xmlns:p14="http://schemas.microsoft.com/office/powerpoint/2010/main" val="3479898431"/>
+        <p14:creationId xmlns:p14="http://schemas.microsoft.com/office/powerpoint/2010/main" val="1751391689"/>
       </p:ext>
     </p:extLst>
   </p:cSld>

--- a/docs/Design.pptx
+++ b/docs/Design.pptx
@@ -6,6 +6,7 @@
   </p:sldMasterIdLst>
   <p:sldIdLst>
     <p:sldId id="257" r:id="rId2"/>
+    <p:sldId id="258" r:id="rId3"/>
   </p:sldIdLst>
   <p:sldSz cx="12192000" cy="6858000"/>
   <p:notesSz cx="6858000" cy="9144000"/>
@@ -259,7 +260,7 @@
           <a:p>
             <a:fld id="{EEB5A699-4281-42A6-A7CC-966666C96966}" type="datetimeFigureOut">
               <a:rPr lang="en-US" smtClean="0"/>
-              <a:t>10/19/2021</a:t>
+              <a:t>12/7/2021</a:t>
             </a:fld>
             <a:endParaRPr lang="en-US"/>
           </a:p>
@@ -457,7 +458,7 @@
           <a:p>
             <a:fld id="{EEB5A699-4281-42A6-A7CC-966666C96966}" type="datetimeFigureOut">
               <a:rPr lang="en-US" smtClean="0"/>
-              <a:t>10/19/2021</a:t>
+              <a:t>12/7/2021</a:t>
             </a:fld>
             <a:endParaRPr lang="en-US"/>
           </a:p>
@@ -665,7 +666,7 @@
           <a:p>
             <a:fld id="{EEB5A699-4281-42A6-A7CC-966666C96966}" type="datetimeFigureOut">
               <a:rPr lang="en-US" smtClean="0"/>
-              <a:t>10/19/2021</a:t>
+              <a:t>12/7/2021</a:t>
             </a:fld>
             <a:endParaRPr lang="en-US"/>
           </a:p>
@@ -863,7 +864,7 @@
           <a:p>
             <a:fld id="{EEB5A699-4281-42A6-A7CC-966666C96966}" type="datetimeFigureOut">
               <a:rPr lang="en-US" smtClean="0"/>
-              <a:t>10/19/2021</a:t>
+              <a:t>12/7/2021</a:t>
             </a:fld>
             <a:endParaRPr lang="en-US"/>
           </a:p>
@@ -1138,7 +1139,7 @@
           <a:p>
             <a:fld id="{EEB5A699-4281-42A6-A7CC-966666C96966}" type="datetimeFigureOut">
               <a:rPr lang="en-US" smtClean="0"/>
-              <a:t>10/19/2021</a:t>
+              <a:t>12/7/2021</a:t>
             </a:fld>
             <a:endParaRPr lang="en-US"/>
           </a:p>
@@ -1403,7 +1404,7 @@
           <a:p>
             <a:fld id="{EEB5A699-4281-42A6-A7CC-966666C96966}" type="datetimeFigureOut">
               <a:rPr lang="en-US" smtClean="0"/>
-              <a:t>10/19/2021</a:t>
+              <a:t>12/7/2021</a:t>
             </a:fld>
             <a:endParaRPr lang="en-US"/>
           </a:p>
@@ -1815,7 +1816,7 @@
           <a:p>
             <a:fld id="{EEB5A699-4281-42A6-A7CC-966666C96966}" type="datetimeFigureOut">
               <a:rPr lang="en-US" smtClean="0"/>
-              <a:t>10/19/2021</a:t>
+              <a:t>12/7/2021</a:t>
             </a:fld>
             <a:endParaRPr lang="en-US"/>
           </a:p>
@@ -1956,7 +1957,7 @@
           <a:p>
             <a:fld id="{EEB5A699-4281-42A6-A7CC-966666C96966}" type="datetimeFigureOut">
               <a:rPr lang="en-US" smtClean="0"/>
-              <a:t>10/19/2021</a:t>
+              <a:t>12/7/2021</a:t>
             </a:fld>
             <a:endParaRPr lang="en-US"/>
           </a:p>
@@ -2069,7 +2070,7 @@
           <a:p>
             <a:fld id="{EEB5A699-4281-42A6-A7CC-966666C96966}" type="datetimeFigureOut">
               <a:rPr lang="en-US" smtClean="0"/>
-              <a:t>10/19/2021</a:t>
+              <a:t>12/7/2021</a:t>
             </a:fld>
             <a:endParaRPr lang="en-US"/>
           </a:p>
@@ -2380,7 +2381,7 @@
           <a:p>
             <a:fld id="{EEB5A699-4281-42A6-A7CC-966666C96966}" type="datetimeFigureOut">
               <a:rPr lang="en-US" smtClean="0"/>
-              <a:t>10/19/2021</a:t>
+              <a:t>12/7/2021</a:t>
             </a:fld>
             <a:endParaRPr lang="en-US"/>
           </a:p>
@@ -2668,7 +2669,7 @@
           <a:p>
             <a:fld id="{EEB5A699-4281-42A6-A7CC-966666C96966}" type="datetimeFigureOut">
               <a:rPr lang="en-US" smtClean="0"/>
-              <a:t>10/19/2021</a:t>
+              <a:t>12/7/2021</a:t>
             </a:fld>
             <a:endParaRPr lang="en-US"/>
           </a:p>
@@ -2909,7 +2910,7 @@
           <a:p>
             <a:fld id="{EEB5A699-4281-42A6-A7CC-966666C96966}" type="datetimeFigureOut">
               <a:rPr lang="en-US" smtClean="0"/>
-              <a:t>10/19/2021</a:t>
+              <a:t>12/7/2021</a:t>
             </a:fld>
             <a:endParaRPr lang="en-US"/>
           </a:p>
@@ -5742,6 +5743,1450 @@
 </p:sld>
 </file>
 
+<file path=ppt/slides/slide2.xml><?xml version="1.0" encoding="utf-8"?>
+<p:sld xmlns:a="http://schemas.openxmlformats.org/drawingml/2006/main" xmlns:r="http://schemas.openxmlformats.org/officeDocument/2006/relationships" xmlns:p="http://schemas.openxmlformats.org/presentationml/2006/main">
+  <p:cSld>
+    <p:spTree>
+      <p:nvGrpSpPr>
+        <p:cNvPr id="1" name=""/>
+        <p:cNvGrpSpPr/>
+        <p:nvPr/>
+      </p:nvGrpSpPr>
+      <p:grpSpPr>
+        <a:xfrm>
+          <a:off x="0" y="0"/>
+          <a:ext cx="0" cy="0"/>
+          <a:chOff x="0" y="0"/>
+          <a:chExt cx="0" cy="0"/>
+        </a:xfrm>
+      </p:grpSpPr>
+      <p:sp>
+        <p:nvSpPr>
+          <p:cNvPr id="40" name="Rectangle 39">
+            <a:extLst>
+              <a:ext uri="{FF2B5EF4-FFF2-40B4-BE49-F238E27FC236}">
+                <a16:creationId xmlns:a16="http://schemas.microsoft.com/office/drawing/2014/main" id="{3AB53FB8-4824-4557-AAC5-EBD0042BFB6C}"/>
+              </a:ext>
+            </a:extLst>
+          </p:cNvPr>
+          <p:cNvSpPr/>
+          <p:nvPr/>
+        </p:nvSpPr>
+        <p:spPr>
+          <a:xfrm>
+            <a:off x="8870493" y="949301"/>
+            <a:ext cx="2522108" cy="5221154"/>
+          </a:xfrm>
+          <a:prstGeom prst="rect">
+            <a:avLst/>
+          </a:prstGeom>
+          <a:solidFill>
+            <a:schemeClr val="bg1">
+              <a:lumMod val="95000"/>
+            </a:schemeClr>
+          </a:solidFill>
+          <a:ln>
+            <a:solidFill>
+              <a:schemeClr val="bg1">
+                <a:lumMod val="65000"/>
+              </a:schemeClr>
+            </a:solidFill>
+          </a:ln>
+        </p:spPr>
+        <p:style>
+          <a:lnRef idx="2">
+            <a:schemeClr val="accent1">
+              <a:shade val="50000"/>
+            </a:schemeClr>
+          </a:lnRef>
+          <a:fillRef idx="1">
+            <a:schemeClr val="accent1"/>
+          </a:fillRef>
+          <a:effectRef idx="0">
+            <a:schemeClr val="accent1"/>
+          </a:effectRef>
+          <a:fontRef idx="minor">
+            <a:schemeClr val="lt1"/>
+          </a:fontRef>
+        </p:style>
+        <p:txBody>
+          <a:bodyPr rtlCol="0" anchor="t"/>
+          <a:lstStyle/>
+          <a:p>
+            <a:pPr algn="ctr"/>
+            <a:r>
+              <a:rPr lang="en-US" sz="1200" dirty="0">
+                <a:solidFill>
+                  <a:schemeClr val="tx1">
+                    <a:lumMod val="85000"/>
+                    <a:lumOff val="15000"/>
+                  </a:schemeClr>
+                </a:solidFill>
+              </a:rPr>
+              <a:t>Azure</a:t>
+            </a:r>
+          </a:p>
+        </p:txBody>
+      </p:sp>
+      <p:sp>
+        <p:nvSpPr>
+          <p:cNvPr id="20" name="Rectangle 19">
+            <a:extLst>
+              <a:ext uri="{FF2B5EF4-FFF2-40B4-BE49-F238E27FC236}">
+                <a16:creationId xmlns:a16="http://schemas.microsoft.com/office/drawing/2014/main" id="{BB2DA161-37A9-4882-8564-57E286C55542}"/>
+              </a:ext>
+            </a:extLst>
+          </p:cNvPr>
+          <p:cNvSpPr/>
+          <p:nvPr/>
+        </p:nvSpPr>
+        <p:spPr>
+          <a:xfrm>
+            <a:off x="649770" y="949301"/>
+            <a:ext cx="7995698" cy="5221154"/>
+          </a:xfrm>
+          <a:prstGeom prst="rect">
+            <a:avLst/>
+          </a:prstGeom>
+          <a:solidFill>
+            <a:schemeClr val="bg1">
+              <a:lumMod val="95000"/>
+            </a:schemeClr>
+          </a:solidFill>
+          <a:ln>
+            <a:solidFill>
+              <a:schemeClr val="bg1">
+                <a:lumMod val="65000"/>
+              </a:schemeClr>
+            </a:solidFill>
+          </a:ln>
+        </p:spPr>
+        <p:style>
+          <a:lnRef idx="2">
+            <a:schemeClr val="accent1">
+              <a:shade val="50000"/>
+            </a:schemeClr>
+          </a:lnRef>
+          <a:fillRef idx="1">
+            <a:schemeClr val="accent1"/>
+          </a:fillRef>
+          <a:effectRef idx="0">
+            <a:schemeClr val="accent1"/>
+          </a:effectRef>
+          <a:fontRef idx="minor">
+            <a:schemeClr val="lt1"/>
+          </a:fontRef>
+        </p:style>
+        <p:txBody>
+          <a:bodyPr rtlCol="0" anchor="t"/>
+          <a:lstStyle/>
+          <a:p>
+            <a:pPr algn="ctr"/>
+            <a:r>
+              <a:rPr lang="en-US" sz="1200" dirty="0">
+                <a:solidFill>
+                  <a:schemeClr val="tx1">
+                    <a:lumMod val="85000"/>
+                    <a:lumOff val="15000"/>
+                  </a:schemeClr>
+                </a:solidFill>
+              </a:rPr>
+              <a:t>Edge Device</a:t>
+            </a:r>
+          </a:p>
+        </p:txBody>
+      </p:sp>
+      <p:sp>
+        <p:nvSpPr>
+          <p:cNvPr id="18" name="Rectangle 17">
+            <a:extLst>
+              <a:ext uri="{FF2B5EF4-FFF2-40B4-BE49-F238E27FC236}">
+                <a16:creationId xmlns:a16="http://schemas.microsoft.com/office/drawing/2014/main" id="{ED6B9CB4-24E2-43B6-8954-0C00F8B303E8}"/>
+              </a:ext>
+            </a:extLst>
+          </p:cNvPr>
+          <p:cNvSpPr/>
+          <p:nvPr/>
+        </p:nvSpPr>
+        <p:spPr>
+          <a:xfrm>
+            <a:off x="793865" y="1256430"/>
+            <a:ext cx="6713838" cy="4738580"/>
+          </a:xfrm>
+          <a:prstGeom prst="rect">
+            <a:avLst/>
+          </a:prstGeom>
+          <a:solidFill>
+            <a:schemeClr val="bg1">
+              <a:lumMod val="85000"/>
+            </a:schemeClr>
+          </a:solidFill>
+          <a:ln>
+            <a:solidFill>
+              <a:schemeClr val="bg1">
+                <a:lumMod val="65000"/>
+              </a:schemeClr>
+            </a:solidFill>
+          </a:ln>
+        </p:spPr>
+        <p:style>
+          <a:lnRef idx="2">
+            <a:schemeClr val="accent1">
+              <a:shade val="50000"/>
+            </a:schemeClr>
+          </a:lnRef>
+          <a:fillRef idx="1">
+            <a:schemeClr val="accent1"/>
+          </a:fillRef>
+          <a:effectRef idx="0">
+            <a:schemeClr val="accent1"/>
+          </a:effectRef>
+          <a:fontRef idx="minor">
+            <a:schemeClr val="lt1"/>
+          </a:fontRef>
+        </p:style>
+        <p:txBody>
+          <a:bodyPr rtlCol="0" anchor="t"/>
+          <a:lstStyle/>
+          <a:p>
+            <a:pPr algn="ctr"/>
+            <a:r>
+              <a:rPr lang="en-US" sz="1200" dirty="0">
+                <a:solidFill>
+                  <a:schemeClr val="tx1">
+                    <a:lumMod val="85000"/>
+                    <a:lumOff val="15000"/>
+                  </a:schemeClr>
+                </a:solidFill>
+              </a:rPr>
+              <a:t>Container</a:t>
+            </a:r>
+          </a:p>
+        </p:txBody>
+      </p:sp>
+      <p:sp>
+        <p:nvSpPr>
+          <p:cNvPr id="15" name="Rectangle 14">
+            <a:extLst>
+              <a:ext uri="{FF2B5EF4-FFF2-40B4-BE49-F238E27FC236}">
+                <a16:creationId xmlns:a16="http://schemas.microsoft.com/office/drawing/2014/main" id="{EAD70986-4A62-4F1B-884D-D85176FCA58D}"/>
+              </a:ext>
+            </a:extLst>
+          </p:cNvPr>
+          <p:cNvSpPr/>
+          <p:nvPr/>
+        </p:nvSpPr>
+        <p:spPr>
+          <a:xfrm>
+            <a:off x="951807" y="1598455"/>
+            <a:ext cx="5368529" cy="4209466"/>
+          </a:xfrm>
+          <a:prstGeom prst="rect">
+            <a:avLst/>
+          </a:prstGeom>
+          <a:solidFill>
+            <a:schemeClr val="bg1">
+              <a:lumMod val="75000"/>
+            </a:schemeClr>
+          </a:solidFill>
+          <a:ln>
+            <a:solidFill>
+              <a:schemeClr val="bg1">
+                <a:lumMod val="65000"/>
+              </a:schemeClr>
+            </a:solidFill>
+          </a:ln>
+        </p:spPr>
+        <p:style>
+          <a:lnRef idx="2">
+            <a:schemeClr val="accent1">
+              <a:shade val="50000"/>
+            </a:schemeClr>
+          </a:lnRef>
+          <a:fillRef idx="1">
+            <a:schemeClr val="accent1"/>
+          </a:fillRef>
+          <a:effectRef idx="0">
+            <a:schemeClr val="accent1"/>
+          </a:effectRef>
+          <a:fontRef idx="minor">
+            <a:schemeClr val="lt1"/>
+          </a:fontRef>
+        </p:style>
+        <p:txBody>
+          <a:bodyPr rtlCol="0" anchor="t"/>
+          <a:lstStyle/>
+          <a:p>
+            <a:pPr algn="ctr"/>
+            <a:r>
+              <a:rPr lang="en-US" sz="1200" dirty="0">
+                <a:solidFill>
+                  <a:schemeClr val="tx1">
+                    <a:lumMod val="85000"/>
+                    <a:lumOff val="15000"/>
+                  </a:schemeClr>
+                </a:solidFill>
+              </a:rPr>
+              <a:t>Memory</a:t>
+            </a:r>
+          </a:p>
+        </p:txBody>
+      </p:sp>
+      <p:sp>
+        <p:nvSpPr>
+          <p:cNvPr id="21" name="Cylinder 20">
+            <a:extLst>
+              <a:ext uri="{FF2B5EF4-FFF2-40B4-BE49-F238E27FC236}">
+                <a16:creationId xmlns:a16="http://schemas.microsoft.com/office/drawing/2014/main" id="{AE6217B0-27B4-4A04-A30E-8ADB875B17F4}"/>
+              </a:ext>
+            </a:extLst>
+          </p:cNvPr>
+          <p:cNvSpPr/>
+          <p:nvPr/>
+        </p:nvSpPr>
+        <p:spPr>
+          <a:xfrm>
+            <a:off x="7687976" y="3736190"/>
+            <a:ext cx="810135" cy="794849"/>
+          </a:xfrm>
+          <a:prstGeom prst="can">
+            <a:avLst/>
+          </a:prstGeom>
+        </p:spPr>
+        <p:style>
+          <a:lnRef idx="2">
+            <a:schemeClr val="accent6">
+              <a:shade val="50000"/>
+            </a:schemeClr>
+          </a:lnRef>
+          <a:fillRef idx="1">
+            <a:schemeClr val="accent6"/>
+          </a:fillRef>
+          <a:effectRef idx="0">
+            <a:schemeClr val="accent6"/>
+          </a:effectRef>
+          <a:fontRef idx="minor">
+            <a:schemeClr val="lt1"/>
+          </a:fontRef>
+        </p:style>
+        <p:txBody>
+          <a:bodyPr rtlCol="0" anchor="ctr"/>
+          <a:lstStyle/>
+          <a:p>
+            <a:pPr algn="ctr"/>
+            <a:r>
+              <a:rPr lang="en-US" sz="1200" dirty="0"/>
+              <a:t>File</a:t>
+            </a:r>
+            <a:br>
+              <a:rPr lang="en-US" sz="1200" dirty="0"/>
+            </a:br>
+            <a:r>
+              <a:rPr lang="en-US" sz="1200" dirty="0"/>
+              <a:t>System</a:t>
+            </a:r>
+            <a:endParaRPr lang="en-US" sz="1000" dirty="0"/>
+          </a:p>
+        </p:txBody>
+      </p:sp>
+      <p:sp>
+        <p:nvSpPr>
+          <p:cNvPr id="22" name="Cylinder 21">
+            <a:extLst>
+              <a:ext uri="{FF2B5EF4-FFF2-40B4-BE49-F238E27FC236}">
+                <a16:creationId xmlns:a16="http://schemas.microsoft.com/office/drawing/2014/main" id="{F03E37FC-C5F7-4784-88D0-E8CE990AA718}"/>
+              </a:ext>
+            </a:extLst>
+          </p:cNvPr>
+          <p:cNvSpPr/>
+          <p:nvPr/>
+        </p:nvSpPr>
+        <p:spPr>
+          <a:xfrm>
+            <a:off x="6492683" y="4158936"/>
+            <a:ext cx="810135" cy="794849"/>
+          </a:xfrm>
+          <a:prstGeom prst="can">
+            <a:avLst/>
+          </a:prstGeom>
+        </p:spPr>
+        <p:style>
+          <a:lnRef idx="2">
+            <a:schemeClr val="accent6">
+              <a:shade val="50000"/>
+            </a:schemeClr>
+          </a:lnRef>
+          <a:fillRef idx="1">
+            <a:schemeClr val="accent6"/>
+          </a:fillRef>
+          <a:effectRef idx="0">
+            <a:schemeClr val="accent6"/>
+          </a:effectRef>
+          <a:fontRef idx="minor">
+            <a:schemeClr val="lt1"/>
+          </a:fontRef>
+        </p:style>
+        <p:txBody>
+          <a:bodyPr rtlCol="0" anchor="ctr"/>
+          <a:lstStyle/>
+          <a:p>
+            <a:pPr algn="ctr"/>
+            <a:r>
+              <a:rPr lang="en-US" sz="1200" dirty="0"/>
+              <a:t>File</a:t>
+            </a:r>
+            <a:br>
+              <a:rPr lang="en-US" sz="1200" dirty="0"/>
+            </a:br>
+            <a:r>
+              <a:rPr lang="en-US" sz="1200" dirty="0"/>
+              <a:t>System</a:t>
+            </a:r>
+            <a:endParaRPr lang="en-US" sz="1000" dirty="0"/>
+          </a:p>
+        </p:txBody>
+      </p:sp>
+      <p:sp>
+        <p:nvSpPr>
+          <p:cNvPr id="24" name="Rectangle 23">
+            <a:extLst>
+              <a:ext uri="{FF2B5EF4-FFF2-40B4-BE49-F238E27FC236}">
+                <a16:creationId xmlns:a16="http://schemas.microsoft.com/office/drawing/2014/main" id="{D158F413-4BA7-4DC5-BF7D-DC92744EC88D}"/>
+              </a:ext>
+            </a:extLst>
+          </p:cNvPr>
+          <p:cNvSpPr/>
+          <p:nvPr/>
+        </p:nvSpPr>
+        <p:spPr>
+          <a:xfrm>
+            <a:off x="3059094" y="3875348"/>
+            <a:ext cx="1549654" cy="771753"/>
+          </a:xfrm>
+          <a:prstGeom prst="rect">
+            <a:avLst/>
+          </a:prstGeom>
+        </p:spPr>
+        <p:style>
+          <a:lnRef idx="2">
+            <a:schemeClr val="accent1">
+              <a:shade val="50000"/>
+            </a:schemeClr>
+          </a:lnRef>
+          <a:fillRef idx="1">
+            <a:schemeClr val="accent1"/>
+          </a:fillRef>
+          <a:effectRef idx="0">
+            <a:schemeClr val="accent1"/>
+          </a:effectRef>
+          <a:fontRef idx="minor">
+            <a:schemeClr val="lt1"/>
+          </a:fontRef>
+        </p:style>
+        <p:txBody>
+          <a:bodyPr rtlCol="0" anchor="ctr"/>
+          <a:lstStyle/>
+          <a:p>
+            <a:pPr algn="ctr"/>
+            <a:r>
+              <a:rPr lang="en-US" sz="1200" dirty="0" err="1"/>
+              <a:t>FileSecretStore</a:t>
+            </a:r>
+            <a:endParaRPr lang="en-US" sz="1200" dirty="0"/>
+          </a:p>
+        </p:txBody>
+      </p:sp>
+      <p:cxnSp>
+        <p:nvCxnSpPr>
+          <p:cNvPr id="26" name="Straight Arrow Connector 25">
+            <a:extLst>
+              <a:ext uri="{FF2B5EF4-FFF2-40B4-BE49-F238E27FC236}">
+                <a16:creationId xmlns:a16="http://schemas.microsoft.com/office/drawing/2014/main" id="{15B111DA-BF87-41D6-8AA0-67D17ABC3A89}"/>
+              </a:ext>
+            </a:extLst>
+          </p:cNvPr>
+          <p:cNvCxnSpPr>
+            <a:cxnSpLocks/>
+          </p:cNvCxnSpPr>
+          <p:nvPr/>
+        </p:nvCxnSpPr>
+        <p:spPr>
+          <a:xfrm>
+            <a:off x="4608747" y="4039211"/>
+            <a:ext cx="3076053" cy="0"/>
+          </a:xfrm>
+          <a:prstGeom prst="straightConnector1">
+            <a:avLst/>
+          </a:prstGeom>
+          <a:ln>
+            <a:tailEnd type="triangle"/>
+          </a:ln>
+        </p:spPr>
+        <p:style>
+          <a:lnRef idx="1">
+            <a:schemeClr val="accent1"/>
+          </a:lnRef>
+          <a:fillRef idx="0">
+            <a:schemeClr val="accent1"/>
+          </a:fillRef>
+          <a:effectRef idx="0">
+            <a:schemeClr val="accent1"/>
+          </a:effectRef>
+          <a:fontRef idx="minor">
+            <a:schemeClr val="tx1"/>
+          </a:fontRef>
+        </p:style>
+      </p:cxnSp>
+      <p:cxnSp>
+        <p:nvCxnSpPr>
+          <p:cNvPr id="28" name="Straight Arrow Connector 27">
+            <a:extLst>
+              <a:ext uri="{FF2B5EF4-FFF2-40B4-BE49-F238E27FC236}">
+                <a16:creationId xmlns:a16="http://schemas.microsoft.com/office/drawing/2014/main" id="{8E25B150-3325-4D7E-8023-EC3D27A40071}"/>
+              </a:ext>
+            </a:extLst>
+          </p:cNvPr>
+          <p:cNvCxnSpPr>
+            <a:cxnSpLocks/>
+          </p:cNvCxnSpPr>
+          <p:nvPr/>
+        </p:nvCxnSpPr>
+        <p:spPr>
+          <a:xfrm>
+            <a:off x="4608747" y="4485803"/>
+            <a:ext cx="1883936" cy="0"/>
+          </a:xfrm>
+          <a:prstGeom prst="straightConnector1">
+            <a:avLst/>
+          </a:prstGeom>
+          <a:ln>
+            <a:tailEnd type="triangle"/>
+          </a:ln>
+        </p:spPr>
+        <p:style>
+          <a:lnRef idx="1">
+            <a:schemeClr val="accent1"/>
+          </a:lnRef>
+          <a:fillRef idx="0">
+            <a:schemeClr val="accent1"/>
+          </a:fillRef>
+          <a:effectRef idx="0">
+            <a:schemeClr val="accent1"/>
+          </a:effectRef>
+          <a:fontRef idx="minor">
+            <a:schemeClr val="tx1"/>
+          </a:fontRef>
+        </p:style>
+      </p:cxnSp>
+      <p:sp>
+        <p:nvSpPr>
+          <p:cNvPr id="34" name="Rectangle 33">
+            <a:extLst>
+              <a:ext uri="{FF2B5EF4-FFF2-40B4-BE49-F238E27FC236}">
+                <a16:creationId xmlns:a16="http://schemas.microsoft.com/office/drawing/2014/main" id="{5AE70724-E262-4E47-9BFC-7D197979EFA3}"/>
+              </a:ext>
+            </a:extLst>
+          </p:cNvPr>
+          <p:cNvSpPr/>
+          <p:nvPr/>
+        </p:nvSpPr>
+        <p:spPr>
+          <a:xfrm>
+            <a:off x="3063485" y="4842062"/>
+            <a:ext cx="1549653" cy="771753"/>
+          </a:xfrm>
+          <a:prstGeom prst="rect">
+            <a:avLst/>
+          </a:prstGeom>
+        </p:spPr>
+        <p:style>
+          <a:lnRef idx="2">
+            <a:schemeClr val="accent1">
+              <a:shade val="50000"/>
+            </a:schemeClr>
+          </a:lnRef>
+          <a:fillRef idx="1">
+            <a:schemeClr val="accent1"/>
+          </a:fillRef>
+          <a:effectRef idx="0">
+            <a:schemeClr val="accent1"/>
+          </a:effectRef>
+          <a:fontRef idx="minor">
+            <a:schemeClr val="lt1"/>
+          </a:fontRef>
+        </p:style>
+        <p:txBody>
+          <a:bodyPr rtlCol="0" anchor="ctr"/>
+          <a:lstStyle/>
+          <a:p>
+            <a:pPr algn="ctr"/>
+            <a:r>
+              <a:rPr lang="en-US" sz="1200" dirty="0" err="1"/>
+              <a:t>InMemorySecretStore</a:t>
+            </a:r>
+            <a:endParaRPr lang="en-US" sz="1200" dirty="0"/>
+          </a:p>
+        </p:txBody>
+      </p:sp>
+      <p:sp>
+        <p:nvSpPr>
+          <p:cNvPr id="36" name="Rectangle 35">
+            <a:extLst>
+              <a:ext uri="{FF2B5EF4-FFF2-40B4-BE49-F238E27FC236}">
+                <a16:creationId xmlns:a16="http://schemas.microsoft.com/office/drawing/2014/main" id="{9E3BB4A0-F69F-4B74-A63C-F2D46FA75F11}"/>
+              </a:ext>
+            </a:extLst>
+          </p:cNvPr>
+          <p:cNvSpPr/>
+          <p:nvPr/>
+        </p:nvSpPr>
+        <p:spPr>
+          <a:xfrm>
+            <a:off x="3059092" y="2908634"/>
+            <a:ext cx="1549655" cy="771753"/>
+          </a:xfrm>
+          <a:prstGeom prst="rect">
+            <a:avLst/>
+          </a:prstGeom>
+        </p:spPr>
+        <p:style>
+          <a:lnRef idx="2">
+            <a:schemeClr val="accent1">
+              <a:shade val="50000"/>
+            </a:schemeClr>
+          </a:lnRef>
+          <a:fillRef idx="1">
+            <a:schemeClr val="accent1"/>
+          </a:fillRef>
+          <a:effectRef idx="0">
+            <a:schemeClr val="accent1"/>
+          </a:effectRef>
+          <a:fontRef idx="minor">
+            <a:schemeClr val="lt1"/>
+          </a:fontRef>
+        </p:style>
+        <p:txBody>
+          <a:bodyPr rtlCol="0" anchor="ctr"/>
+          <a:lstStyle/>
+          <a:p>
+            <a:pPr algn="ctr"/>
+            <a:r>
+              <a:rPr lang="en-US" sz="1200" dirty="0" err="1"/>
+              <a:t>KeyVaultSecretStore</a:t>
+            </a:r>
+            <a:endParaRPr lang="en-US" sz="1200" dirty="0"/>
+          </a:p>
+        </p:txBody>
+      </p:sp>
+      <p:sp>
+        <p:nvSpPr>
+          <p:cNvPr id="38" name="Rectangle 37">
+            <a:extLst>
+              <a:ext uri="{FF2B5EF4-FFF2-40B4-BE49-F238E27FC236}">
+                <a16:creationId xmlns:a16="http://schemas.microsoft.com/office/drawing/2014/main" id="{E6BF969C-5926-4436-B5D7-46CF53A6F0B9}"/>
+              </a:ext>
+            </a:extLst>
+          </p:cNvPr>
+          <p:cNvSpPr/>
+          <p:nvPr/>
+        </p:nvSpPr>
+        <p:spPr>
+          <a:xfrm>
+            <a:off x="3059092" y="1947502"/>
+            <a:ext cx="1549656" cy="771753"/>
+          </a:xfrm>
+          <a:prstGeom prst="rect">
+            <a:avLst/>
+          </a:prstGeom>
+        </p:spPr>
+        <p:style>
+          <a:lnRef idx="2">
+            <a:schemeClr val="accent1">
+              <a:shade val="50000"/>
+            </a:schemeClr>
+          </a:lnRef>
+          <a:fillRef idx="1">
+            <a:schemeClr val="accent1"/>
+          </a:fillRef>
+          <a:effectRef idx="0">
+            <a:schemeClr val="accent1"/>
+          </a:effectRef>
+          <a:fontRef idx="minor">
+            <a:schemeClr val="lt1"/>
+          </a:fontRef>
+        </p:style>
+        <p:txBody>
+          <a:bodyPr rtlCol="0" anchor="ctr"/>
+          <a:lstStyle/>
+          <a:p>
+            <a:pPr algn="ctr"/>
+            <a:r>
+              <a:rPr lang="en-US" sz="1200" dirty="0" err="1"/>
+              <a:t>RemoteSecretStore</a:t>
+            </a:r>
+            <a:endParaRPr lang="en-US" sz="1200" dirty="0"/>
+          </a:p>
+        </p:txBody>
+      </p:sp>
+      <p:sp>
+        <p:nvSpPr>
+          <p:cNvPr id="13" name="Cube 12">
+            <a:extLst>
+              <a:ext uri="{FF2B5EF4-FFF2-40B4-BE49-F238E27FC236}">
+                <a16:creationId xmlns:a16="http://schemas.microsoft.com/office/drawing/2014/main" id="{4288AFA0-2C10-436B-83B9-9BB6A126CF8A}"/>
+              </a:ext>
+            </a:extLst>
+          </p:cNvPr>
+          <p:cNvSpPr/>
+          <p:nvPr/>
+        </p:nvSpPr>
+        <p:spPr>
+          <a:xfrm>
+            <a:off x="5179976" y="4817504"/>
+            <a:ext cx="975235" cy="817330"/>
+          </a:xfrm>
+          <a:prstGeom prst="cube">
+            <a:avLst/>
+          </a:prstGeom>
+        </p:spPr>
+        <p:style>
+          <a:lnRef idx="2">
+            <a:schemeClr val="accent6">
+              <a:shade val="50000"/>
+            </a:schemeClr>
+          </a:lnRef>
+          <a:fillRef idx="1">
+            <a:schemeClr val="accent6"/>
+          </a:fillRef>
+          <a:effectRef idx="0">
+            <a:schemeClr val="accent6"/>
+          </a:effectRef>
+          <a:fontRef idx="minor">
+            <a:schemeClr val="lt1"/>
+          </a:fontRef>
+        </p:style>
+        <p:txBody>
+          <a:bodyPr rtlCol="0" anchor="ctr"/>
+          <a:lstStyle/>
+          <a:p>
+            <a:pPr algn="ctr"/>
+            <a:r>
+              <a:rPr lang="en-US" sz="1200" dirty="0"/>
+              <a:t>Memory</a:t>
+            </a:r>
+          </a:p>
+        </p:txBody>
+      </p:sp>
+      <p:cxnSp>
+        <p:nvCxnSpPr>
+          <p:cNvPr id="42" name="Straight Arrow Connector 41">
+            <a:extLst>
+              <a:ext uri="{FF2B5EF4-FFF2-40B4-BE49-F238E27FC236}">
+                <a16:creationId xmlns:a16="http://schemas.microsoft.com/office/drawing/2014/main" id="{D4FBA47B-526F-4FAE-869A-3F5D499BFC40}"/>
+              </a:ext>
+            </a:extLst>
+          </p:cNvPr>
+          <p:cNvCxnSpPr>
+            <a:cxnSpLocks/>
+          </p:cNvCxnSpPr>
+          <p:nvPr/>
+        </p:nvCxnSpPr>
+        <p:spPr>
+          <a:xfrm flipV="1">
+            <a:off x="4599045" y="5226169"/>
+            <a:ext cx="578645" cy="3526"/>
+          </a:xfrm>
+          <a:prstGeom prst="straightConnector1">
+            <a:avLst/>
+          </a:prstGeom>
+          <a:ln>
+            <a:tailEnd type="triangle"/>
+          </a:ln>
+        </p:spPr>
+        <p:style>
+          <a:lnRef idx="1">
+            <a:schemeClr val="accent1"/>
+          </a:lnRef>
+          <a:fillRef idx="0">
+            <a:schemeClr val="accent1"/>
+          </a:fillRef>
+          <a:effectRef idx="0">
+            <a:schemeClr val="accent1"/>
+          </a:effectRef>
+          <a:fontRef idx="minor">
+            <a:schemeClr val="tx1"/>
+          </a:fontRef>
+        </p:style>
+      </p:cxnSp>
+      <p:sp>
+        <p:nvSpPr>
+          <p:cNvPr id="63" name="Cube 62">
+            <a:extLst>
+              <a:ext uri="{FF2B5EF4-FFF2-40B4-BE49-F238E27FC236}">
+                <a16:creationId xmlns:a16="http://schemas.microsoft.com/office/drawing/2014/main" id="{DFC9D64E-952B-489D-B0C6-874F968480FA}"/>
+              </a:ext>
+            </a:extLst>
+          </p:cNvPr>
+          <p:cNvSpPr/>
+          <p:nvPr/>
+        </p:nvSpPr>
+        <p:spPr>
+          <a:xfrm>
+            <a:off x="9056994" y="2903371"/>
+            <a:ext cx="975235" cy="817330"/>
+          </a:xfrm>
+          <a:prstGeom prst="cube">
+            <a:avLst/>
+          </a:prstGeom>
+        </p:spPr>
+        <p:style>
+          <a:lnRef idx="2">
+            <a:schemeClr val="accent6">
+              <a:shade val="50000"/>
+            </a:schemeClr>
+          </a:lnRef>
+          <a:fillRef idx="1">
+            <a:schemeClr val="accent6"/>
+          </a:fillRef>
+          <a:effectRef idx="0">
+            <a:schemeClr val="accent6"/>
+          </a:effectRef>
+          <a:fontRef idx="minor">
+            <a:schemeClr val="lt1"/>
+          </a:fontRef>
+        </p:style>
+        <p:txBody>
+          <a:bodyPr rtlCol="0" anchor="ctr"/>
+          <a:lstStyle/>
+          <a:p>
+            <a:pPr algn="ctr"/>
+            <a:r>
+              <a:rPr lang="en-US" sz="1200" dirty="0"/>
+              <a:t>Key</a:t>
+            </a:r>
+            <a:br>
+              <a:rPr lang="en-US" sz="1200" dirty="0"/>
+            </a:br>
+            <a:r>
+              <a:rPr lang="en-US" sz="1200" dirty="0"/>
+              <a:t>Vault</a:t>
+            </a:r>
+          </a:p>
+        </p:txBody>
+      </p:sp>
+      <p:cxnSp>
+        <p:nvCxnSpPr>
+          <p:cNvPr id="65" name="Straight Arrow Connector 64">
+            <a:extLst>
+              <a:ext uri="{FF2B5EF4-FFF2-40B4-BE49-F238E27FC236}">
+                <a16:creationId xmlns:a16="http://schemas.microsoft.com/office/drawing/2014/main" id="{DA789781-8B57-42DA-A01D-8A08E355EF13}"/>
+              </a:ext>
+            </a:extLst>
+          </p:cNvPr>
+          <p:cNvCxnSpPr>
+            <a:cxnSpLocks/>
+            <a:stCxn id="36" idx="3"/>
+          </p:cNvCxnSpPr>
+          <p:nvPr/>
+        </p:nvCxnSpPr>
+        <p:spPr>
+          <a:xfrm>
+            <a:off x="4608747" y="3294511"/>
+            <a:ext cx="4448246" cy="17524"/>
+          </a:xfrm>
+          <a:prstGeom prst="straightConnector1">
+            <a:avLst/>
+          </a:prstGeom>
+          <a:ln>
+            <a:tailEnd type="triangle"/>
+          </a:ln>
+        </p:spPr>
+        <p:style>
+          <a:lnRef idx="1">
+            <a:schemeClr val="accent1"/>
+          </a:lnRef>
+          <a:fillRef idx="0">
+            <a:schemeClr val="accent1"/>
+          </a:fillRef>
+          <a:effectRef idx="0">
+            <a:schemeClr val="accent1"/>
+          </a:effectRef>
+          <a:fontRef idx="minor">
+            <a:schemeClr val="tx1"/>
+          </a:fontRef>
+        </p:style>
+      </p:cxnSp>
+      <p:sp>
+        <p:nvSpPr>
+          <p:cNvPr id="97" name="Rectangle 96">
+            <a:extLst>
+              <a:ext uri="{FF2B5EF4-FFF2-40B4-BE49-F238E27FC236}">
+                <a16:creationId xmlns:a16="http://schemas.microsoft.com/office/drawing/2014/main" id="{7DF48089-AAF6-4DF8-9AF0-A7011209CC71}"/>
+              </a:ext>
+            </a:extLst>
+          </p:cNvPr>
+          <p:cNvSpPr/>
+          <p:nvPr/>
+        </p:nvSpPr>
+        <p:spPr>
+          <a:xfrm>
+            <a:off x="9654937" y="1947502"/>
+            <a:ext cx="1549654" cy="771753"/>
+          </a:xfrm>
+          <a:prstGeom prst="rect">
+            <a:avLst/>
+          </a:prstGeom>
+        </p:spPr>
+        <p:style>
+          <a:lnRef idx="2">
+            <a:schemeClr val="accent1">
+              <a:shade val="50000"/>
+            </a:schemeClr>
+          </a:lnRef>
+          <a:fillRef idx="1">
+            <a:schemeClr val="accent1"/>
+          </a:fillRef>
+          <a:effectRef idx="0">
+            <a:schemeClr val="accent1"/>
+          </a:effectRef>
+          <a:fontRef idx="minor">
+            <a:schemeClr val="lt1"/>
+          </a:fontRef>
+        </p:style>
+        <p:txBody>
+          <a:bodyPr rtlCol="0" anchor="ctr"/>
+          <a:lstStyle/>
+          <a:p>
+            <a:pPr algn="ctr"/>
+            <a:r>
+              <a:rPr lang="en-US" sz="1200" dirty="0" err="1"/>
+              <a:t>SecretDeliveryApp</a:t>
+            </a:r>
+            <a:endParaRPr lang="en-US" sz="1200" dirty="0"/>
+          </a:p>
+        </p:txBody>
+      </p:sp>
+      <p:cxnSp>
+        <p:nvCxnSpPr>
+          <p:cNvPr id="102" name="Straight Arrow Connector 101">
+            <a:extLst>
+              <a:ext uri="{FF2B5EF4-FFF2-40B4-BE49-F238E27FC236}">
+                <a16:creationId xmlns:a16="http://schemas.microsoft.com/office/drawing/2014/main" id="{58DBE2F6-C8A4-4374-B1BB-F4FE5C9C0658}"/>
+              </a:ext>
+            </a:extLst>
+          </p:cNvPr>
+          <p:cNvCxnSpPr>
+            <a:cxnSpLocks/>
+          </p:cNvCxnSpPr>
+          <p:nvPr/>
+        </p:nvCxnSpPr>
+        <p:spPr>
+          <a:xfrm flipV="1">
+            <a:off x="4608748" y="2149215"/>
+            <a:ext cx="5046188" cy="9665"/>
+          </a:xfrm>
+          <a:prstGeom prst="straightConnector1">
+            <a:avLst/>
+          </a:prstGeom>
+          <a:ln>
+            <a:tailEnd type="triangle"/>
+          </a:ln>
+        </p:spPr>
+        <p:style>
+          <a:lnRef idx="1">
+            <a:schemeClr val="accent1"/>
+          </a:lnRef>
+          <a:fillRef idx="0">
+            <a:schemeClr val="accent1"/>
+          </a:fillRef>
+          <a:effectRef idx="0">
+            <a:schemeClr val="accent1"/>
+          </a:effectRef>
+          <a:fontRef idx="minor">
+            <a:schemeClr val="tx1"/>
+          </a:fontRef>
+        </p:style>
+      </p:cxnSp>
+      <p:cxnSp>
+        <p:nvCxnSpPr>
+          <p:cNvPr id="110" name="Straight Arrow Connector 109">
+            <a:extLst>
+              <a:ext uri="{FF2B5EF4-FFF2-40B4-BE49-F238E27FC236}">
+                <a16:creationId xmlns:a16="http://schemas.microsoft.com/office/drawing/2014/main" id="{1EE21B4D-B5DB-423C-BD64-375D4A7A7506}"/>
+              </a:ext>
+            </a:extLst>
+          </p:cNvPr>
+          <p:cNvCxnSpPr>
+            <a:cxnSpLocks/>
+          </p:cNvCxnSpPr>
+          <p:nvPr/>
+        </p:nvCxnSpPr>
+        <p:spPr>
+          <a:xfrm flipH="1">
+            <a:off x="4611925" y="2505875"/>
+            <a:ext cx="5037559" cy="0"/>
+          </a:xfrm>
+          <a:prstGeom prst="straightConnector1">
+            <a:avLst/>
+          </a:prstGeom>
+          <a:ln>
+            <a:tailEnd type="triangle"/>
+          </a:ln>
+        </p:spPr>
+        <p:style>
+          <a:lnRef idx="1">
+            <a:schemeClr val="accent1"/>
+          </a:lnRef>
+          <a:fillRef idx="0">
+            <a:schemeClr val="accent1"/>
+          </a:fillRef>
+          <a:effectRef idx="0">
+            <a:schemeClr val="accent1"/>
+          </a:effectRef>
+          <a:fontRef idx="minor">
+            <a:schemeClr val="tx1"/>
+          </a:fontRef>
+        </p:style>
+      </p:cxnSp>
+      <p:cxnSp>
+        <p:nvCxnSpPr>
+          <p:cNvPr id="115" name="Straight Connector 114">
+            <a:extLst>
+              <a:ext uri="{FF2B5EF4-FFF2-40B4-BE49-F238E27FC236}">
+                <a16:creationId xmlns:a16="http://schemas.microsoft.com/office/drawing/2014/main" id="{B808F644-42B4-4AB5-A454-2DB0F9ADB9FB}"/>
+              </a:ext>
+            </a:extLst>
+          </p:cNvPr>
+          <p:cNvCxnSpPr>
+            <a:cxnSpLocks/>
+          </p:cNvCxnSpPr>
+          <p:nvPr/>
+        </p:nvCxnSpPr>
+        <p:spPr>
+          <a:xfrm flipH="1">
+            <a:off x="10032230" y="3312035"/>
+            <a:ext cx="397534" cy="1"/>
+          </a:xfrm>
+          <a:prstGeom prst="line">
+            <a:avLst/>
+          </a:prstGeom>
+          <a:ln>
+            <a:tailEnd type="triangle"/>
+          </a:ln>
+        </p:spPr>
+        <p:style>
+          <a:lnRef idx="1">
+            <a:schemeClr val="accent1"/>
+          </a:lnRef>
+          <a:fillRef idx="0">
+            <a:schemeClr val="accent1"/>
+          </a:fillRef>
+          <a:effectRef idx="0">
+            <a:schemeClr val="accent1"/>
+          </a:effectRef>
+          <a:fontRef idx="minor">
+            <a:schemeClr val="tx1"/>
+          </a:fontRef>
+        </p:style>
+      </p:cxnSp>
+      <p:cxnSp>
+        <p:nvCxnSpPr>
+          <p:cNvPr id="118" name="Straight Connector 117">
+            <a:extLst>
+              <a:ext uri="{FF2B5EF4-FFF2-40B4-BE49-F238E27FC236}">
+                <a16:creationId xmlns:a16="http://schemas.microsoft.com/office/drawing/2014/main" id="{E2A94B18-ACF5-45A3-8887-11808E7CE5C1}"/>
+              </a:ext>
+            </a:extLst>
+          </p:cNvPr>
+          <p:cNvCxnSpPr>
+            <a:cxnSpLocks/>
+            <a:endCxn id="97" idx="2"/>
+          </p:cNvCxnSpPr>
+          <p:nvPr/>
+        </p:nvCxnSpPr>
+        <p:spPr>
+          <a:xfrm flipV="1">
+            <a:off x="10429764" y="2719255"/>
+            <a:ext cx="0" cy="592780"/>
+          </a:xfrm>
+          <a:prstGeom prst="line">
+            <a:avLst/>
+          </a:prstGeom>
+        </p:spPr>
+        <p:style>
+          <a:lnRef idx="1">
+            <a:schemeClr val="accent1"/>
+          </a:lnRef>
+          <a:fillRef idx="0">
+            <a:schemeClr val="accent1"/>
+          </a:fillRef>
+          <a:effectRef idx="0">
+            <a:schemeClr val="accent1"/>
+          </a:effectRef>
+          <a:fontRef idx="minor">
+            <a:schemeClr val="tx1"/>
+          </a:fontRef>
+        </p:style>
+      </p:cxnSp>
+      <p:sp>
+        <p:nvSpPr>
+          <p:cNvPr id="125" name="Rectangle 124">
+            <a:extLst>
+              <a:ext uri="{FF2B5EF4-FFF2-40B4-BE49-F238E27FC236}">
+                <a16:creationId xmlns:a16="http://schemas.microsoft.com/office/drawing/2014/main" id="{FA76CF27-1861-44EF-ABEB-D95BB06F7A38}"/>
+              </a:ext>
+            </a:extLst>
+          </p:cNvPr>
+          <p:cNvSpPr/>
+          <p:nvPr/>
+        </p:nvSpPr>
+        <p:spPr>
+          <a:xfrm>
+            <a:off x="4608748" y="1729603"/>
+            <a:ext cx="5046190" cy="419612"/>
+          </a:xfrm>
+          <a:prstGeom prst="rect">
+            <a:avLst/>
+          </a:prstGeom>
+          <a:noFill/>
+          <a:ln>
+            <a:noFill/>
+          </a:ln>
+        </p:spPr>
+        <p:style>
+          <a:lnRef idx="2">
+            <a:schemeClr val="accent1">
+              <a:shade val="50000"/>
+            </a:schemeClr>
+          </a:lnRef>
+          <a:fillRef idx="1">
+            <a:schemeClr val="accent1"/>
+          </a:fillRef>
+          <a:effectRef idx="0">
+            <a:schemeClr val="accent1"/>
+          </a:effectRef>
+          <a:fontRef idx="minor">
+            <a:schemeClr val="lt1"/>
+          </a:fontRef>
+        </p:style>
+        <p:txBody>
+          <a:bodyPr rtlCol="0" anchor="b"/>
+          <a:lstStyle/>
+          <a:p>
+            <a:pPr algn="ctr"/>
+            <a:r>
+              <a:rPr lang="en-US" sz="1200" dirty="0">
+                <a:solidFill>
+                  <a:srgbClr val="0070C0"/>
+                </a:solidFill>
+              </a:rPr>
+              <a:t>D2C Message { request-id, secrets[] }</a:t>
+            </a:r>
+          </a:p>
+        </p:txBody>
+      </p:sp>
+      <p:sp>
+        <p:nvSpPr>
+          <p:cNvPr id="128" name="Rectangle 127">
+            <a:extLst>
+              <a:ext uri="{FF2B5EF4-FFF2-40B4-BE49-F238E27FC236}">
+                <a16:creationId xmlns:a16="http://schemas.microsoft.com/office/drawing/2014/main" id="{0FE63655-4DD4-4D15-A282-669FBEC7C860}"/>
+              </a:ext>
+            </a:extLst>
+          </p:cNvPr>
+          <p:cNvSpPr/>
+          <p:nvPr/>
+        </p:nvSpPr>
+        <p:spPr>
+          <a:xfrm>
+            <a:off x="4603294" y="2090608"/>
+            <a:ext cx="5046190" cy="419612"/>
+          </a:xfrm>
+          <a:prstGeom prst="rect">
+            <a:avLst/>
+          </a:prstGeom>
+          <a:noFill/>
+          <a:ln>
+            <a:noFill/>
+          </a:ln>
+        </p:spPr>
+        <p:style>
+          <a:lnRef idx="2">
+            <a:schemeClr val="accent1">
+              <a:shade val="50000"/>
+            </a:schemeClr>
+          </a:lnRef>
+          <a:fillRef idx="1">
+            <a:schemeClr val="accent1"/>
+          </a:fillRef>
+          <a:effectRef idx="0">
+            <a:schemeClr val="accent1"/>
+          </a:effectRef>
+          <a:fontRef idx="minor">
+            <a:schemeClr val="lt1"/>
+          </a:fontRef>
+        </p:style>
+        <p:txBody>
+          <a:bodyPr rtlCol="0" anchor="b"/>
+          <a:lstStyle/>
+          <a:p>
+            <a:pPr algn="ctr"/>
+            <a:r>
+              <a:rPr lang="en-US" sz="1200" dirty="0">
+                <a:solidFill>
+                  <a:srgbClr val="0070C0"/>
+                </a:solidFill>
+              </a:rPr>
+              <a:t>DirectMethod </a:t>
+            </a:r>
+            <a:r>
+              <a:rPr lang="en-US" sz="1200" b="1" dirty="0" err="1">
+                <a:solidFill>
+                  <a:srgbClr val="0070C0"/>
+                </a:solidFill>
+              </a:rPr>
+              <a:t>UpdateSecrets</a:t>
+            </a:r>
+            <a:r>
+              <a:rPr lang="en-US" sz="1200" dirty="0">
+                <a:solidFill>
+                  <a:srgbClr val="0070C0"/>
+                </a:solidFill>
+              </a:rPr>
+              <a:t> { request-id, secrets[] }</a:t>
+            </a:r>
+          </a:p>
+        </p:txBody>
+      </p:sp>
+      <p:sp>
+        <p:nvSpPr>
+          <p:cNvPr id="149" name="Rectangle 148">
+            <a:extLst>
+              <a:ext uri="{FF2B5EF4-FFF2-40B4-BE49-F238E27FC236}">
+                <a16:creationId xmlns:a16="http://schemas.microsoft.com/office/drawing/2014/main" id="{867E6305-1A21-40EA-8CD2-98386EEBB19B}"/>
+              </a:ext>
+            </a:extLst>
+          </p:cNvPr>
+          <p:cNvSpPr/>
+          <p:nvPr/>
+        </p:nvSpPr>
+        <p:spPr>
+          <a:xfrm>
+            <a:off x="1120802" y="3387183"/>
+            <a:ext cx="1549654" cy="771753"/>
+          </a:xfrm>
+          <a:prstGeom prst="rect">
+            <a:avLst/>
+          </a:prstGeom>
+        </p:spPr>
+        <p:style>
+          <a:lnRef idx="2">
+            <a:schemeClr val="accent1">
+              <a:shade val="50000"/>
+            </a:schemeClr>
+          </a:lnRef>
+          <a:fillRef idx="1">
+            <a:schemeClr val="accent1"/>
+          </a:fillRef>
+          <a:effectRef idx="0">
+            <a:schemeClr val="accent1"/>
+          </a:effectRef>
+          <a:fontRef idx="minor">
+            <a:schemeClr val="lt1"/>
+          </a:fontRef>
+        </p:style>
+        <p:txBody>
+          <a:bodyPr rtlCol="0" anchor="ctr"/>
+          <a:lstStyle/>
+          <a:p>
+            <a:pPr algn="ctr"/>
+            <a:r>
+              <a:rPr lang="en-US" sz="1200" dirty="0" err="1"/>
+              <a:t>SecretManagerClient</a:t>
+            </a:r>
+            <a:endParaRPr lang="en-US" sz="1200" dirty="0"/>
+          </a:p>
+        </p:txBody>
+      </p:sp>
+      <p:cxnSp>
+        <p:nvCxnSpPr>
+          <p:cNvPr id="156" name="Straight Arrow Connector 155">
+            <a:extLst>
+              <a:ext uri="{FF2B5EF4-FFF2-40B4-BE49-F238E27FC236}">
+                <a16:creationId xmlns:a16="http://schemas.microsoft.com/office/drawing/2014/main" id="{1B92FCEA-745D-4B6B-8A22-84B00D94B9FF}"/>
+              </a:ext>
+            </a:extLst>
+          </p:cNvPr>
+          <p:cNvCxnSpPr>
+            <a:cxnSpLocks/>
+          </p:cNvCxnSpPr>
+          <p:nvPr/>
+        </p:nvCxnSpPr>
+        <p:spPr>
+          <a:xfrm flipV="1">
+            <a:off x="2661557" y="2719256"/>
+            <a:ext cx="397535" cy="771753"/>
+          </a:xfrm>
+          <a:prstGeom prst="straightConnector1">
+            <a:avLst/>
+          </a:prstGeom>
+          <a:ln>
+            <a:tailEnd type="triangle"/>
+          </a:ln>
+        </p:spPr>
+        <p:style>
+          <a:lnRef idx="1">
+            <a:schemeClr val="accent1"/>
+          </a:lnRef>
+          <a:fillRef idx="0">
+            <a:schemeClr val="accent1"/>
+          </a:fillRef>
+          <a:effectRef idx="0">
+            <a:schemeClr val="accent1"/>
+          </a:effectRef>
+          <a:fontRef idx="minor">
+            <a:schemeClr val="tx1"/>
+          </a:fontRef>
+        </p:style>
+      </p:cxnSp>
+      <p:cxnSp>
+        <p:nvCxnSpPr>
+          <p:cNvPr id="161" name="Straight Arrow Connector 160">
+            <a:extLst>
+              <a:ext uri="{FF2B5EF4-FFF2-40B4-BE49-F238E27FC236}">
+                <a16:creationId xmlns:a16="http://schemas.microsoft.com/office/drawing/2014/main" id="{58BE9EDE-FF09-4C58-9D3F-0C2B40FC8758}"/>
+              </a:ext>
+            </a:extLst>
+          </p:cNvPr>
+          <p:cNvCxnSpPr>
+            <a:cxnSpLocks/>
+          </p:cNvCxnSpPr>
+          <p:nvPr/>
+        </p:nvCxnSpPr>
+        <p:spPr>
+          <a:xfrm>
+            <a:off x="2661557" y="4039212"/>
+            <a:ext cx="397534" cy="802850"/>
+          </a:xfrm>
+          <a:prstGeom prst="straightConnector1">
+            <a:avLst/>
+          </a:prstGeom>
+          <a:ln>
+            <a:tailEnd type="triangle"/>
+          </a:ln>
+        </p:spPr>
+        <p:style>
+          <a:lnRef idx="1">
+            <a:schemeClr val="accent1"/>
+          </a:lnRef>
+          <a:fillRef idx="0">
+            <a:schemeClr val="accent1"/>
+          </a:fillRef>
+          <a:effectRef idx="0">
+            <a:schemeClr val="accent1"/>
+          </a:effectRef>
+          <a:fontRef idx="minor">
+            <a:schemeClr val="tx1"/>
+          </a:fontRef>
+        </p:style>
+      </p:cxnSp>
+      <p:cxnSp>
+        <p:nvCxnSpPr>
+          <p:cNvPr id="166" name="Straight Arrow Connector 165">
+            <a:extLst>
+              <a:ext uri="{FF2B5EF4-FFF2-40B4-BE49-F238E27FC236}">
+                <a16:creationId xmlns:a16="http://schemas.microsoft.com/office/drawing/2014/main" id="{5F5018DD-D705-48B3-9127-014F9B766731}"/>
+              </a:ext>
+            </a:extLst>
+          </p:cNvPr>
+          <p:cNvCxnSpPr>
+            <a:cxnSpLocks/>
+            <a:endCxn id="36" idx="1"/>
+          </p:cNvCxnSpPr>
+          <p:nvPr/>
+        </p:nvCxnSpPr>
+        <p:spPr>
+          <a:xfrm flipV="1">
+            <a:off x="2669868" y="3294511"/>
+            <a:ext cx="389224" cy="348898"/>
+          </a:xfrm>
+          <a:prstGeom prst="straightConnector1">
+            <a:avLst/>
+          </a:prstGeom>
+          <a:ln>
+            <a:tailEnd type="triangle"/>
+          </a:ln>
+        </p:spPr>
+        <p:style>
+          <a:lnRef idx="1">
+            <a:schemeClr val="accent1"/>
+          </a:lnRef>
+          <a:fillRef idx="0">
+            <a:schemeClr val="accent1"/>
+          </a:fillRef>
+          <a:effectRef idx="0">
+            <a:schemeClr val="accent1"/>
+          </a:effectRef>
+          <a:fontRef idx="minor">
+            <a:schemeClr val="tx1"/>
+          </a:fontRef>
+        </p:style>
+      </p:cxnSp>
+      <p:cxnSp>
+        <p:nvCxnSpPr>
+          <p:cNvPr id="170" name="Straight Arrow Connector 169">
+            <a:extLst>
+              <a:ext uri="{FF2B5EF4-FFF2-40B4-BE49-F238E27FC236}">
+                <a16:creationId xmlns:a16="http://schemas.microsoft.com/office/drawing/2014/main" id="{09E16FA2-2388-4FA4-94CD-69F52F28C92D}"/>
+              </a:ext>
+            </a:extLst>
+          </p:cNvPr>
+          <p:cNvCxnSpPr>
+            <a:cxnSpLocks/>
+            <a:endCxn id="24" idx="1"/>
+          </p:cNvCxnSpPr>
+          <p:nvPr/>
+        </p:nvCxnSpPr>
+        <p:spPr>
+          <a:xfrm>
+            <a:off x="2669867" y="3875349"/>
+            <a:ext cx="389227" cy="385876"/>
+          </a:xfrm>
+          <a:prstGeom prst="straightConnector1">
+            <a:avLst/>
+          </a:prstGeom>
+          <a:ln>
+            <a:tailEnd type="triangle"/>
+          </a:ln>
+        </p:spPr>
+        <p:style>
+          <a:lnRef idx="1">
+            <a:schemeClr val="accent1"/>
+          </a:lnRef>
+          <a:fillRef idx="0">
+            <a:schemeClr val="accent1"/>
+          </a:fillRef>
+          <a:effectRef idx="0">
+            <a:schemeClr val="accent1"/>
+          </a:effectRef>
+          <a:fontRef idx="minor">
+            <a:schemeClr val="tx1"/>
+          </a:fontRef>
+        </p:style>
+      </p:cxnSp>
+    </p:spTree>
+    <p:extLst>
+      <p:ext uri="{BB962C8B-B14F-4D97-AF65-F5344CB8AC3E}">
+        <p14:creationId xmlns:p14="http://schemas.microsoft.com/office/powerpoint/2010/main" val="2603714392"/>
+      </p:ext>
+    </p:extLst>
+  </p:cSld>
+  <p:clrMapOvr>
+    <a:masterClrMapping/>
+  </p:clrMapOvr>
+</p:sld>
+</file>
+
 <file path=ppt/theme/theme1.xml><?xml version="1.0" encoding="utf-8"?>
 <a:theme xmlns:a="http://schemas.openxmlformats.org/drawingml/2006/main" name="Office Theme">
   <a:themeElements>
